--- a/文档/享学笔记/Framework/Binder.pptx
+++ b/文档/享学笔记/Framework/Binder.pptx
@@ -8,11 +8,14 @@
     <p:sldId id="256" r:id="rId2"/>
     <p:sldId id="258" r:id="rId3"/>
     <p:sldId id="260" r:id="rId4"/>
-    <p:sldId id="257" r:id="rId5"/>
-    <p:sldId id="259" r:id="rId6"/>
-    <p:sldId id="263" r:id="rId7"/>
-    <p:sldId id="261" r:id="rId8"/>
-    <p:sldId id="262" r:id="rId9"/>
+    <p:sldId id="264" r:id="rId5"/>
+    <p:sldId id="265" r:id="rId6"/>
+    <p:sldId id="257" r:id="rId7"/>
+    <p:sldId id="259" r:id="rId8"/>
+    <p:sldId id="263" r:id="rId9"/>
+    <p:sldId id="261" r:id="rId10"/>
+    <p:sldId id="262" r:id="rId11"/>
+    <p:sldId id="266" r:id="rId12"/>
   </p:sldIdLst>
   <p:sldSz cx="12192000" cy="6858000"/>
   <p:notesSz cx="6858000" cy="9144000"/>
@@ -111,6 +114,11 @@
       </a:defRPr>
     </a:lvl9pPr>
   </p:defaultTextStyle>
+  <p:extLst>
+    <p:ext uri="{EFAFB233-063F-42B5-8137-9DF3F51BA10A}">
+      <p15:sldGuideLst xmlns:p15="http://schemas.microsoft.com/office/powerpoint/2012/main"/>
+    </p:ext>
+  </p:extLst>
 </p:presentation>
 </file>
 
@@ -245,7 +253,7 @@
           <a:p>
             <a:fld id="{6920AB75-5406-4CC6-BBBA-A977B8484D26}" type="datetimeFigureOut">
               <a:rPr lang="zh-CN" altLang="en-US" smtClean="0"/>
-              <a:t>2021-11-9</a:t>
+              <a:t>2021-11-10</a:t>
             </a:fld>
             <a:endParaRPr lang="zh-CN" altLang="en-US"/>
           </a:p>
@@ -415,7 +423,7 @@
           <a:p>
             <a:fld id="{6920AB75-5406-4CC6-BBBA-A977B8484D26}" type="datetimeFigureOut">
               <a:rPr lang="zh-CN" altLang="en-US" smtClean="0"/>
-              <a:t>2021-11-9</a:t>
+              <a:t>2021-11-10</a:t>
             </a:fld>
             <a:endParaRPr lang="zh-CN" altLang="en-US"/>
           </a:p>
@@ -595,7 +603,7 @@
           <a:p>
             <a:fld id="{6920AB75-5406-4CC6-BBBA-A977B8484D26}" type="datetimeFigureOut">
               <a:rPr lang="zh-CN" altLang="en-US" smtClean="0"/>
-              <a:t>2021-11-9</a:t>
+              <a:t>2021-11-10</a:t>
             </a:fld>
             <a:endParaRPr lang="zh-CN" altLang="en-US"/>
           </a:p>
@@ -765,7 +773,7 @@
           <a:p>
             <a:fld id="{6920AB75-5406-4CC6-BBBA-A977B8484D26}" type="datetimeFigureOut">
               <a:rPr lang="zh-CN" altLang="en-US" smtClean="0"/>
-              <a:t>2021-11-9</a:t>
+              <a:t>2021-11-10</a:t>
             </a:fld>
             <a:endParaRPr lang="zh-CN" altLang="en-US"/>
           </a:p>
@@ -1011,7 +1019,7 @@
           <a:p>
             <a:fld id="{6920AB75-5406-4CC6-BBBA-A977B8484D26}" type="datetimeFigureOut">
               <a:rPr lang="zh-CN" altLang="en-US" smtClean="0"/>
-              <a:t>2021-11-9</a:t>
+              <a:t>2021-11-10</a:t>
             </a:fld>
             <a:endParaRPr lang="zh-CN" altLang="en-US"/>
           </a:p>
@@ -1243,7 +1251,7 @@
           <a:p>
             <a:fld id="{6920AB75-5406-4CC6-BBBA-A977B8484D26}" type="datetimeFigureOut">
               <a:rPr lang="zh-CN" altLang="en-US" smtClean="0"/>
-              <a:t>2021-11-9</a:t>
+              <a:t>2021-11-10</a:t>
             </a:fld>
             <a:endParaRPr lang="zh-CN" altLang="en-US"/>
           </a:p>
@@ -1610,7 +1618,7 @@
           <a:p>
             <a:fld id="{6920AB75-5406-4CC6-BBBA-A977B8484D26}" type="datetimeFigureOut">
               <a:rPr lang="zh-CN" altLang="en-US" smtClean="0"/>
-              <a:t>2021-11-9</a:t>
+              <a:t>2021-11-10</a:t>
             </a:fld>
             <a:endParaRPr lang="zh-CN" altLang="en-US"/>
           </a:p>
@@ -1728,7 +1736,7 @@
           <a:p>
             <a:fld id="{6920AB75-5406-4CC6-BBBA-A977B8484D26}" type="datetimeFigureOut">
               <a:rPr lang="zh-CN" altLang="en-US" smtClean="0"/>
-              <a:t>2021-11-9</a:t>
+              <a:t>2021-11-10</a:t>
             </a:fld>
             <a:endParaRPr lang="zh-CN" altLang="en-US"/>
           </a:p>
@@ -1823,7 +1831,7 @@
           <a:p>
             <a:fld id="{6920AB75-5406-4CC6-BBBA-A977B8484D26}" type="datetimeFigureOut">
               <a:rPr lang="zh-CN" altLang="en-US" smtClean="0"/>
-              <a:t>2021-11-9</a:t>
+              <a:t>2021-11-10</a:t>
             </a:fld>
             <a:endParaRPr lang="zh-CN" altLang="en-US"/>
           </a:p>
@@ -2100,7 +2108,7 @@
           <a:p>
             <a:fld id="{6920AB75-5406-4CC6-BBBA-A977B8484D26}" type="datetimeFigureOut">
               <a:rPr lang="zh-CN" altLang="en-US" smtClean="0"/>
-              <a:t>2021-11-9</a:t>
+              <a:t>2021-11-10</a:t>
             </a:fld>
             <a:endParaRPr lang="zh-CN" altLang="en-US"/>
           </a:p>
@@ -2353,7 +2361,7 @@
           <a:p>
             <a:fld id="{6920AB75-5406-4CC6-BBBA-A977B8484D26}" type="datetimeFigureOut">
               <a:rPr lang="zh-CN" altLang="en-US" smtClean="0"/>
-              <a:t>2021-11-9</a:t>
+              <a:t>2021-11-10</a:t>
             </a:fld>
             <a:endParaRPr lang="zh-CN" altLang="en-US"/>
           </a:p>
@@ -2566,7 +2574,7 @@
           <a:p>
             <a:fld id="{6920AB75-5406-4CC6-BBBA-A977B8484D26}" type="datetimeFigureOut">
               <a:rPr lang="zh-CN" altLang="en-US" smtClean="0"/>
-              <a:t>2021-11-9</a:t>
+              <a:t>2021-11-10</a:t>
             </a:fld>
             <a:endParaRPr lang="zh-CN" altLang="en-US"/>
           </a:p>
@@ -3102,7 +3110,7 @@
 </p:sld>
 </file>
 
-<file path=ppt/slides/slide2.xml><?xml version="1.0" encoding="utf-8"?>
+<file path=ppt/slides/slide10.xml><?xml version="1.0" encoding="utf-8"?>
 <p:sld xmlns:a="http://schemas.openxmlformats.org/drawingml/2006/main" xmlns:r="http://schemas.openxmlformats.org/officeDocument/2006/relationships" xmlns:p="http://schemas.openxmlformats.org/presentationml/2006/main">
   <p:cSld>
     <p:spTree>
@@ -3127,8 +3135,8 @@
         </p:nvSpPr>
         <p:spPr>
           <a:xfrm>
-            <a:off x="635000" y="1049154"/>
-            <a:ext cx="8239225" cy="6186309"/>
+            <a:off x="522292" y="116732"/>
+            <a:ext cx="3122579" cy="369332"/>
           </a:xfrm>
           <a:prstGeom prst="rect">
             <a:avLst/>
@@ -3142,444 +3150,60 @@
           <a:lstStyle/>
           <a:p>
             <a:r>
-              <a:rPr lang="en-US" altLang="zh-CN" dirty="0" err="1"/>
-              <a:t>b</a:t>
-            </a:r>
-            <a:r>
-              <a:rPr lang="en-US" altLang="zh-CN" dirty="0" err="1" smtClean="0"/>
-              <a:t>inder_mmap</a:t>
-            </a:r>
-            <a:endParaRPr lang="en-US" altLang="zh-CN" dirty="0" smtClean="0"/>
-          </a:p>
-          <a:p>
-            <a:r>
-              <a:rPr lang="en-US" altLang="zh-CN" dirty="0" smtClean="0"/>
-              <a:t>     1.</a:t>
-            </a:r>
-            <a:r>
-              <a:rPr lang="zh-CN" altLang="en-US" dirty="0" smtClean="0"/>
-              <a:t>通过用户空间的虚拟内存大小</a:t>
-            </a:r>
-            <a:r>
-              <a:rPr lang="en-US" altLang="zh-CN" dirty="0" smtClean="0"/>
-              <a:t>------</a:t>
-            </a:r>
-            <a:r>
-              <a:rPr lang="zh-CN" altLang="en-US" dirty="0" smtClean="0"/>
-              <a:t>分配一块内核的虚拟内存</a:t>
-            </a:r>
-            <a:endParaRPr lang="en-US" altLang="zh-CN" dirty="0" smtClean="0"/>
-          </a:p>
-          <a:p>
-            <a:r>
               <a:rPr lang="en-US" altLang="zh-CN" dirty="0"/>
-              <a:t> </a:t>
-            </a:r>
-            <a:r>
-              <a:rPr lang="en-US" altLang="zh-CN" dirty="0" smtClean="0"/>
-              <a:t>    2.</a:t>
-            </a:r>
-            <a:r>
-              <a:rPr lang="zh-CN" altLang="en-US" dirty="0" smtClean="0"/>
-              <a:t>分配了一块物理内存</a:t>
-            </a:r>
-            <a:r>
-              <a:rPr lang="en-US" altLang="zh-CN" dirty="0" smtClean="0"/>
-              <a:t>-----4KB</a:t>
-            </a:r>
-          </a:p>
-          <a:p>
-            <a:r>
-              <a:rPr lang="en-US" altLang="zh-CN" dirty="0"/>
-              <a:t> </a:t>
-            </a:r>
-            <a:r>
-              <a:rPr lang="en-US" altLang="zh-CN" dirty="0" smtClean="0"/>
-              <a:t>    3.</a:t>
-            </a:r>
-            <a:r>
-              <a:rPr lang="zh-CN" altLang="en-US" dirty="0" smtClean="0"/>
-              <a:t>把这块物理内存分别映射到   用户空间的虚拟内存和内核的虚拟内存</a:t>
-            </a:r>
-            <a:endParaRPr lang="en-US" altLang="zh-CN" dirty="0" smtClean="0"/>
-          </a:p>
-          <a:p>
-            <a:endParaRPr lang="en-US" altLang="zh-CN" dirty="0"/>
-          </a:p>
-          <a:p>
-            <a:r>
-              <a:rPr lang="en-US" altLang="zh-CN" dirty="0" err="1" smtClean="0"/>
-              <a:t>binder_ioctl</a:t>
-            </a:r>
-            <a:endParaRPr lang="en-US" altLang="zh-CN" dirty="0" smtClean="0"/>
-          </a:p>
-          <a:p>
-            <a:r>
-              <a:rPr lang="en-US" altLang="zh-CN" dirty="0"/>
-              <a:t> </a:t>
-            </a:r>
-            <a:r>
-              <a:rPr lang="en-US" altLang="zh-CN" dirty="0" smtClean="0"/>
-              <a:t>     </a:t>
-            </a:r>
-            <a:r>
-              <a:rPr lang="zh-CN" altLang="en-US" dirty="0" smtClean="0"/>
-              <a:t>读写操作</a:t>
-            </a:r>
-            <a:r>
-              <a:rPr lang="en-US" altLang="zh-CN" dirty="0" smtClean="0"/>
-              <a:t>-----BINDER_WRITE_READ-----</a:t>
-            </a:r>
-            <a:r>
-              <a:rPr lang="en-US" altLang="zh-CN" dirty="0" err="1" smtClean="0"/>
-              <a:t>ioctl</a:t>
-            </a:r>
-            <a:r>
-              <a:rPr lang="en-US" altLang="zh-CN" dirty="0" smtClean="0"/>
-              <a:t>(</a:t>
-            </a:r>
-            <a:r>
-              <a:rPr lang="en-US" altLang="zh-CN" dirty="0" smtClean="0"/>
-              <a:t>BINDER_WRITE_READ</a:t>
-            </a:r>
-            <a:r>
-              <a:rPr lang="en-US" altLang="zh-CN" dirty="0" smtClean="0"/>
-              <a:t>)</a:t>
-            </a:r>
-          </a:p>
-          <a:p>
-            <a:r>
-              <a:rPr lang="en-US" altLang="zh-CN" dirty="0"/>
-              <a:t> </a:t>
-            </a:r>
-            <a:r>
-              <a:rPr lang="en-US" altLang="zh-CN" dirty="0" smtClean="0"/>
-              <a:t>     </a:t>
-            </a:r>
-            <a:r>
-              <a:rPr lang="zh-CN" altLang="en-US" dirty="0" smtClean="0"/>
-              <a:t>数据头</a:t>
-            </a:r>
-            <a:r>
-              <a:rPr lang="en-US" altLang="zh-CN" dirty="0" smtClean="0"/>
-              <a:t>-----</a:t>
-            </a:r>
-            <a:r>
-              <a:rPr lang="zh-CN" altLang="en-US" dirty="0" smtClean="0"/>
-              <a:t>无效数据</a:t>
-            </a:r>
-            <a:endParaRPr lang="en-US" altLang="zh-CN" dirty="0" smtClean="0"/>
-          </a:p>
-          <a:p>
-            <a:r>
-              <a:rPr lang="en-US" altLang="zh-CN" dirty="0"/>
-              <a:t> </a:t>
-            </a:r>
-            <a:r>
-              <a:rPr lang="en-US" altLang="zh-CN" dirty="0" smtClean="0"/>
-              <a:t>     </a:t>
-            </a:r>
-            <a:r>
-              <a:rPr lang="zh-CN" altLang="en-US" dirty="0" smtClean="0"/>
-              <a:t>有效数据</a:t>
-            </a:r>
-            <a:r>
-              <a:rPr lang="en-US" altLang="zh-CN" dirty="0" smtClean="0"/>
-              <a:t>-----</a:t>
-            </a:r>
-            <a:r>
-              <a:rPr lang="zh-CN" altLang="en-US" dirty="0" smtClean="0"/>
-              <a:t>拷贝一次</a:t>
-            </a:r>
-            <a:r>
-              <a:rPr lang="en-US" altLang="zh-CN" dirty="0" smtClean="0"/>
-              <a:t>----</a:t>
-            </a:r>
-          </a:p>
-          <a:p>
-            <a:endParaRPr lang="en-US" altLang="zh-CN" dirty="0" smtClean="0"/>
-          </a:p>
-          <a:p>
-            <a:r>
-              <a:rPr lang="en-US" altLang="zh-CN" dirty="0" smtClean="0"/>
-              <a:t>node-----</a:t>
-            </a:r>
-            <a:r>
-              <a:rPr lang="en-US" altLang="zh-CN" dirty="0" err="1" smtClean="0"/>
-              <a:t>sm</a:t>
-            </a:r>
-            <a:r>
-              <a:rPr lang="zh-CN" altLang="en-US" dirty="0" smtClean="0"/>
-              <a:t>注册</a:t>
-            </a:r>
-            <a:r>
-              <a:rPr lang="en-US" altLang="zh-CN" dirty="0" smtClean="0"/>
-              <a:t>----</a:t>
-            </a:r>
-            <a:r>
-              <a:rPr lang="en-US" altLang="zh-CN" dirty="0" err="1" smtClean="0"/>
-              <a:t>ServiceManager</a:t>
-            </a:r>
-            <a:endParaRPr lang="en-US" altLang="zh-CN" dirty="0" smtClean="0"/>
-          </a:p>
-          <a:p>
-            <a:r>
-              <a:rPr lang="en-US" altLang="zh-CN" dirty="0" smtClean="0"/>
-              <a:t>       1.</a:t>
-            </a:r>
-            <a:r>
-              <a:rPr lang="zh-CN" altLang="en-US" dirty="0" smtClean="0"/>
-              <a:t>打开驱动，内存映射</a:t>
-            </a:r>
-            <a:r>
-              <a:rPr lang="en-US" altLang="zh-CN" dirty="0" smtClean="0">
-                <a:sym typeface="Wingdings" panose="05000000000000000000" pitchFamily="2" charset="2"/>
-              </a:rPr>
-              <a:t>(</a:t>
-            </a:r>
-            <a:r>
-              <a:rPr lang="zh-CN" altLang="en-US" dirty="0" smtClean="0">
-                <a:sym typeface="Wingdings" panose="05000000000000000000" pitchFamily="2" charset="2"/>
-              </a:rPr>
-              <a:t>设置大小：</a:t>
-            </a:r>
-            <a:r>
-              <a:rPr lang="en-US" altLang="zh-CN" dirty="0" smtClean="0">
-                <a:sym typeface="Wingdings" panose="05000000000000000000" pitchFamily="2" charset="2"/>
-              </a:rPr>
-              <a:t>128K)</a:t>
-            </a:r>
-            <a:endParaRPr lang="en-US" altLang="zh-CN" dirty="0" smtClean="0"/>
-          </a:p>
-          <a:p>
-            <a:r>
-              <a:rPr lang="en-US" altLang="zh-CN" dirty="0"/>
-              <a:t> </a:t>
-            </a:r>
-            <a:r>
-              <a:rPr lang="en-US" altLang="zh-CN" dirty="0" smtClean="0"/>
-              <a:t>      2.</a:t>
-            </a:r>
-            <a:r>
-              <a:rPr lang="zh-CN" altLang="en-US" dirty="0" smtClean="0"/>
-              <a:t>设置</a:t>
-            </a:r>
-            <a:r>
-              <a:rPr lang="en-US" altLang="zh-CN" dirty="0" smtClean="0"/>
-              <a:t>SM</a:t>
-            </a:r>
-            <a:r>
-              <a:rPr lang="zh-CN" altLang="en-US" dirty="0" smtClean="0"/>
-              <a:t>为大管家</a:t>
-            </a:r>
-            <a:r>
-              <a:rPr lang="en-US" altLang="zh-CN" dirty="0" smtClean="0"/>
-              <a:t>-------</a:t>
-            </a:r>
-            <a:r>
-              <a:rPr lang="en-US" altLang="zh-CN" dirty="0" err="1" smtClean="0"/>
-              <a:t>sm</a:t>
-            </a:r>
-            <a:r>
-              <a:rPr lang="zh-CN" altLang="en-US" dirty="0" smtClean="0"/>
-              <a:t>作用为了管理系统服务</a:t>
-            </a:r>
-            <a:endParaRPr lang="en-US" altLang="zh-CN" dirty="0" smtClean="0"/>
-          </a:p>
-          <a:p>
-            <a:r>
-              <a:rPr lang="en-US" altLang="zh-CN" dirty="0"/>
-              <a:t> </a:t>
-            </a:r>
-            <a:r>
-              <a:rPr lang="en-US" altLang="zh-CN" dirty="0" smtClean="0"/>
-              <a:t>              1.</a:t>
-            </a:r>
-            <a:r>
-              <a:rPr lang="zh-CN" altLang="en-US" dirty="0" smtClean="0"/>
-              <a:t>创建</a:t>
-            </a:r>
-            <a:r>
-              <a:rPr lang="en-US" altLang="zh-CN" dirty="0" err="1" smtClean="0"/>
-              <a:t>binder_node</a:t>
-            </a:r>
-            <a:r>
-              <a:rPr lang="zh-CN" altLang="en-US" dirty="0" smtClean="0"/>
-              <a:t>结构体对象</a:t>
-            </a:r>
-            <a:endParaRPr lang="en-US" altLang="zh-CN" dirty="0" smtClean="0"/>
-          </a:p>
-          <a:p>
-            <a:r>
-              <a:rPr lang="en-US" altLang="zh-CN" dirty="0"/>
-              <a:t> </a:t>
-            </a:r>
-            <a:r>
-              <a:rPr lang="en-US" altLang="zh-CN" dirty="0" smtClean="0"/>
-              <a:t>              2.proc----</a:t>
-            </a:r>
-            <a:r>
-              <a:rPr lang="en-US" altLang="zh-CN" dirty="0" err="1" smtClean="0"/>
-              <a:t>binder_node</a:t>
-            </a:r>
-            <a:endParaRPr lang="en-US" altLang="zh-CN" dirty="0" smtClean="0"/>
-          </a:p>
-          <a:p>
-            <a:r>
-              <a:rPr lang="en-US" altLang="zh-CN" dirty="0"/>
-              <a:t> </a:t>
-            </a:r>
-            <a:r>
-              <a:rPr lang="en-US" altLang="zh-CN" dirty="0" smtClean="0"/>
-              <a:t>              3.</a:t>
-            </a:r>
-            <a:r>
-              <a:rPr lang="zh-CN" altLang="en-US" dirty="0" smtClean="0"/>
-              <a:t>创建</a:t>
-            </a:r>
-            <a:r>
-              <a:rPr lang="en-US" altLang="zh-CN" dirty="0" smtClean="0"/>
-              <a:t>work</a:t>
-            </a:r>
-            <a:r>
-              <a:rPr lang="zh-CN" altLang="en-US" dirty="0" smtClean="0"/>
-              <a:t>和</a:t>
-            </a:r>
-            <a:r>
-              <a:rPr lang="en-US" altLang="zh-CN" dirty="0" err="1" smtClean="0"/>
-              <a:t>todo</a:t>
-            </a:r>
-            <a:r>
-              <a:rPr lang="en-US" altLang="zh-CN" dirty="0" smtClean="0"/>
-              <a:t>------</a:t>
-            </a:r>
-            <a:r>
-              <a:rPr lang="zh-CN" altLang="en-US" dirty="0" smtClean="0"/>
-              <a:t>类似</a:t>
-            </a:r>
-            <a:r>
-              <a:rPr lang="en-US" altLang="zh-CN" dirty="0" err="1" smtClean="0"/>
-              <a:t>messageQueue</a:t>
-            </a:r>
-            <a:r>
-              <a:rPr lang="en-US" altLang="zh-CN" dirty="0" smtClean="0"/>
-              <a:t>    </a:t>
-            </a:r>
-          </a:p>
-          <a:p>
-            <a:r>
-              <a:rPr lang="en-US" altLang="zh-CN" dirty="0"/>
-              <a:t> </a:t>
-            </a:r>
-            <a:r>
-              <a:rPr lang="en-US" altLang="zh-CN" dirty="0" smtClean="0"/>
-              <a:t>      3.BC_ENTER_LOOPER</a:t>
-            </a:r>
-            <a:r>
-              <a:rPr lang="zh-CN" altLang="en-US" dirty="0" smtClean="0"/>
-              <a:t>命令</a:t>
-            </a:r>
-            <a:endParaRPr lang="en-US" altLang="zh-CN" dirty="0" smtClean="0"/>
-          </a:p>
-          <a:p>
-            <a:r>
-              <a:rPr lang="en-US" altLang="zh-CN" dirty="0"/>
-              <a:t> </a:t>
-            </a:r>
-            <a:r>
-              <a:rPr lang="en-US" altLang="zh-CN" dirty="0" smtClean="0"/>
-              <a:t>               1.</a:t>
-            </a:r>
-            <a:r>
-              <a:rPr lang="zh-CN" altLang="en-US" dirty="0" smtClean="0"/>
-              <a:t>设置状态为</a:t>
-            </a:r>
-            <a:r>
-              <a:rPr lang="en-US" altLang="zh-CN" dirty="0" err="1" smtClean="0"/>
-              <a:t>Looper</a:t>
-            </a:r>
-            <a:endParaRPr lang="en-US" altLang="zh-CN" dirty="0" smtClean="0"/>
-          </a:p>
-          <a:p>
-            <a:r>
-              <a:rPr lang="en-US" altLang="zh-CN" dirty="0"/>
-              <a:t> </a:t>
-            </a:r>
-            <a:r>
-              <a:rPr lang="en-US" altLang="zh-CN" dirty="0" smtClean="0"/>
-              <a:t>               2.</a:t>
-            </a:r>
-            <a:r>
-              <a:rPr lang="zh-CN" altLang="en-US" dirty="0" smtClean="0"/>
-              <a:t>去读数据：</a:t>
-            </a:r>
-            <a:r>
-              <a:rPr lang="en-US" altLang="zh-CN" dirty="0" err="1" smtClean="0"/>
-              <a:t>binder_thread_read</a:t>
-            </a:r>
-            <a:r>
-              <a:rPr lang="en-US" altLang="zh-CN" dirty="0" smtClean="0"/>
-              <a:t>:</a:t>
-            </a:r>
-          </a:p>
-          <a:p>
-            <a:r>
-              <a:rPr lang="en-US" altLang="zh-CN" dirty="0" smtClean="0"/>
-              <a:t>ret = </a:t>
-            </a:r>
-            <a:r>
-              <a:rPr lang="en-US" altLang="zh-CN" dirty="0" err="1" smtClean="0"/>
-              <a:t>wait_event_freezable_exclusive</a:t>
-            </a:r>
-            <a:r>
-              <a:rPr lang="en-US" altLang="zh-CN" dirty="0" smtClean="0"/>
-              <a:t>(</a:t>
-            </a:r>
-            <a:r>
-              <a:rPr lang="en-US" altLang="zh-CN" dirty="0" err="1" smtClean="0"/>
-              <a:t>proc</a:t>
-            </a:r>
-            <a:r>
-              <a:rPr lang="en-US" altLang="zh-CN" dirty="0" smtClean="0"/>
-              <a:t>-&gt;wait, </a:t>
-            </a:r>
-            <a:r>
-              <a:rPr lang="en-US" altLang="zh-CN" dirty="0" err="1" smtClean="0"/>
-              <a:t>binder_has_proc_work</a:t>
-            </a:r>
-            <a:r>
-              <a:rPr lang="en-US" altLang="zh-CN" dirty="0" smtClean="0"/>
-              <a:t>(</a:t>
-            </a:r>
-            <a:r>
-              <a:rPr lang="en-US" altLang="zh-CN" dirty="0" err="1" smtClean="0"/>
-              <a:t>proc</a:t>
-            </a:r>
-            <a:r>
-              <a:rPr lang="en-US" altLang="zh-CN" dirty="0" smtClean="0"/>
-              <a:t>, thread));</a:t>
-            </a:r>
-            <a:r>
-              <a:rPr lang="zh-CN" altLang="en-US" dirty="0" smtClean="0"/>
-              <a:t>进入等待</a:t>
-            </a:r>
-            <a:endParaRPr lang="en-US" altLang="zh-CN" dirty="0"/>
-          </a:p>
-          <a:p>
-            <a:endParaRPr lang="zh-CN" altLang="en-US" dirty="0"/>
-          </a:p>
-        </p:txBody>
-      </p:sp>
-      <p:sp>
-        <p:nvSpPr>
-          <p:cNvPr id="5" name="文本框 4"/>
+              <a:t>n</a:t>
+            </a:r>
+            <a:r>
+              <a:rPr lang="en-US" altLang="zh-CN" dirty="0" smtClean="0"/>
+              <a:t>ative</a:t>
+            </a:r>
+            <a:r>
+              <a:rPr lang="zh-CN" altLang="en-US" dirty="0"/>
+              <a:t>层</a:t>
+            </a:r>
+          </a:p>
+        </p:txBody>
+      </p:sp>
+      <p:pic>
+        <p:nvPicPr>
+          <p:cNvPr id="5" name="图片 4"/>
+          <p:cNvPicPr>
+            <a:picLocks noChangeAspect="1"/>
+          </p:cNvPicPr>
+          <p:nvPr/>
+        </p:nvPicPr>
+        <p:blipFill>
+          <a:blip r:embed="rId2">
+            <a:extLst>
+              <a:ext uri="{28A0092B-C50C-407E-A947-70E740481C1C}">
+                <a14:useLocalDpi xmlns:a14="http://schemas.microsoft.com/office/drawing/2010/main" val="0"/>
+              </a:ext>
+            </a:extLst>
+          </a:blip>
+          <a:stretch>
+            <a:fillRect/>
+          </a:stretch>
+        </p:blipFill>
+        <p:spPr>
+          <a:xfrm>
+            <a:off x="522292" y="486064"/>
+            <a:ext cx="11069595" cy="6096851"/>
+          </a:xfrm>
+          <a:prstGeom prst="rect">
+            <a:avLst/>
+          </a:prstGeom>
+        </p:spPr>
+      </p:pic>
+      <p:sp>
+        <p:nvSpPr>
+          <p:cNvPr id="6" name="文本框 5"/>
           <p:cNvSpPr txBox="1"/>
           <p:nvPr/>
         </p:nvSpPr>
         <p:spPr>
           <a:xfrm>
-            <a:off x="635000" y="215900"/>
-            <a:ext cx="4737100" cy="461665"/>
+            <a:off x="1099226" y="2694562"/>
+            <a:ext cx="1605063" cy="369332"/>
           </a:xfrm>
           <a:prstGeom prst="rect">
             <a:avLst/>
@@ -3593,33 +3217,67 @@
           <a:lstStyle/>
           <a:p>
             <a:r>
-              <a:rPr lang="en-US" altLang="zh-CN" sz="2400" dirty="0" smtClean="0">
-                <a:effectLst>
-                  <a:outerShdw blurRad="38100" dist="38100" dir="2700000" algn="tl">
-                    <a:srgbClr val="000000">
-                      <a:alpha val="43137"/>
-                    </a:srgbClr>
-                  </a:outerShdw>
-                </a:effectLst>
-              </a:rPr>
-              <a:t>MMAP</a:t>
-            </a:r>
-            <a:endParaRPr lang="zh-CN" altLang="en-US" sz="2400" dirty="0">
-              <a:effectLst>
-                <a:outerShdw blurRad="38100" dist="38100" dir="2700000" algn="tl">
-                  <a:srgbClr val="000000">
-                    <a:alpha val="43137"/>
-                  </a:srgbClr>
-                </a:outerShdw>
-              </a:effectLst>
-            </a:endParaRPr>
+              <a:rPr lang="en-US" altLang="zh-CN" dirty="0"/>
+              <a:t>n</a:t>
+            </a:r>
+            <a:r>
+              <a:rPr lang="en-US" altLang="zh-CN" dirty="0" smtClean="0"/>
+              <a:t>ative</a:t>
+            </a:r>
+            <a:r>
+              <a:rPr lang="zh-CN" altLang="en-US" dirty="0" smtClean="0"/>
+              <a:t>获取</a:t>
+            </a:r>
+            <a:r>
+              <a:rPr lang="en-US" altLang="zh-CN" dirty="0" smtClean="0"/>
+              <a:t>SM</a:t>
+            </a:r>
+            <a:endParaRPr lang="zh-CN" altLang="en-US" dirty="0"/>
+          </a:p>
+        </p:txBody>
+      </p:sp>
+      <p:sp>
+        <p:nvSpPr>
+          <p:cNvPr id="7" name="文本框 6"/>
+          <p:cNvSpPr txBox="1"/>
+          <p:nvPr/>
+        </p:nvSpPr>
+        <p:spPr>
+          <a:xfrm>
+            <a:off x="3793787" y="2120630"/>
+            <a:ext cx="1381328" cy="369332"/>
+          </a:xfrm>
+          <a:prstGeom prst="rect">
+            <a:avLst/>
+          </a:prstGeom>
+          <a:noFill/>
+        </p:spPr>
+        <p:txBody>
+          <a:bodyPr wrap="square" rtlCol="0">
+            <a:spAutoFit/>
+          </a:bodyPr>
+          <a:lstStyle/>
+          <a:p>
+            <a:r>
+              <a:rPr lang="en-US" altLang="zh-CN" dirty="0" smtClean="0"/>
+              <a:t>Java</a:t>
+            </a:r>
+            <a:r>
+              <a:rPr lang="zh-CN" altLang="en-US" dirty="0" smtClean="0"/>
+              <a:t>获取</a:t>
+            </a:r>
+            <a:r>
+              <a:rPr lang="en-US" altLang="zh-CN" dirty="0" smtClean="0"/>
+              <a:t>Sm</a:t>
+            </a:r>
+            <a:endParaRPr lang="zh-CN" altLang="en-US" dirty="0"/>
           </a:p>
         </p:txBody>
       </p:sp>
     </p:spTree>
     <p:extLst>
       <p:ext uri="{BB962C8B-B14F-4D97-AF65-F5344CB8AC3E}">
-        <p14:creationId xmlns:p14="http://schemas.microsoft.com/office/powerpoint/2010/main" val="2760762230"/>
+        <p14:creationId xmlns:p14="http://schemas.microsoft.com/office/powerpoint/2010/main" val="529707701"/>
       </p:ext>
     </p:extLst>
   </p:cSld>
@@ -3629,681 +3287,7 @@
 </p:sld>
 </file>
 
-<file path=ppt/slides/slide3.xml><?xml version="1.0" encoding="utf-8"?>
-<p:sld xmlns:a="http://schemas.openxmlformats.org/drawingml/2006/main" xmlns:r="http://schemas.openxmlformats.org/officeDocument/2006/relationships" xmlns:p="http://schemas.openxmlformats.org/presentationml/2006/main">
-  <p:cSld>
-    <p:spTree>
-      <p:nvGrpSpPr>
-        <p:cNvPr id="1" name=""/>
-        <p:cNvGrpSpPr/>
-        <p:nvPr/>
-      </p:nvGrpSpPr>
-      <p:grpSpPr>
-        <a:xfrm>
-          <a:off x="0" y="0"/>
-          <a:ext cx="0" cy="0"/>
-          <a:chOff x="0" y="0"/>
-          <a:chExt cx="0" cy="0"/>
-        </a:xfrm>
-      </p:grpSpPr>
-      <p:sp>
-        <p:nvSpPr>
-          <p:cNvPr id="4" name="文本框 3"/>
-          <p:cNvSpPr txBox="1"/>
-          <p:nvPr/>
-        </p:nvSpPr>
-        <p:spPr>
-          <a:xfrm>
-            <a:off x="535021" y="311284"/>
-            <a:ext cx="8404698" cy="6740307"/>
-          </a:xfrm>
-          <a:prstGeom prst="rect">
-            <a:avLst/>
-          </a:prstGeom>
-          <a:noFill/>
-        </p:spPr>
-        <p:txBody>
-          <a:bodyPr wrap="square" rtlCol="0">
-            <a:spAutoFit/>
-          </a:bodyPr>
-          <a:lstStyle/>
-          <a:p>
-            <a:r>
-              <a:rPr lang="en-US" altLang="zh-CN" dirty="0" smtClean="0"/>
-              <a:t>Sm</a:t>
-            </a:r>
-            <a:r>
-              <a:rPr lang="zh-CN" altLang="en-US" dirty="0" smtClean="0"/>
-              <a:t>获取</a:t>
-            </a:r>
-            <a:r>
-              <a:rPr lang="en-US" altLang="zh-CN" dirty="0" smtClean="0"/>
-              <a:t>----native</a:t>
-            </a:r>
-            <a:r>
-              <a:rPr lang="zh-CN" altLang="en-US" dirty="0" smtClean="0"/>
-              <a:t>的服务注册和获取的时候都会走这个</a:t>
-            </a:r>
-            <a:r>
-              <a:rPr lang="en-US" altLang="zh-CN" dirty="0" smtClean="0"/>
-              <a:t>---</a:t>
-            </a:r>
-          </a:p>
-          <a:p>
-            <a:r>
-              <a:rPr lang="zh-CN" altLang="en-US" dirty="0" smtClean="0"/>
-              <a:t>获取</a:t>
-            </a:r>
-            <a:r>
-              <a:rPr lang="en-US" altLang="zh-CN" dirty="0" err="1" smtClean="0"/>
-              <a:t>sm</a:t>
-            </a:r>
-            <a:r>
-              <a:rPr lang="zh-CN" altLang="en-US" dirty="0" smtClean="0"/>
-              <a:t>的情况；</a:t>
-            </a:r>
-            <a:endParaRPr lang="en-US" altLang="zh-CN" dirty="0" smtClean="0"/>
-          </a:p>
-          <a:p>
-            <a:r>
-              <a:rPr lang="en-US" altLang="zh-CN" dirty="0"/>
-              <a:t> </a:t>
-            </a:r>
-            <a:r>
-              <a:rPr lang="en-US" altLang="zh-CN" dirty="0" smtClean="0"/>
-              <a:t>       1.</a:t>
-            </a:r>
-            <a:r>
-              <a:rPr lang="zh-CN" altLang="en-US" dirty="0" smtClean="0"/>
-              <a:t>注册服务到</a:t>
-            </a:r>
-            <a:r>
-              <a:rPr lang="en-US" altLang="zh-CN" dirty="0" err="1" smtClean="0"/>
-              <a:t>sm</a:t>
-            </a:r>
-            <a:r>
-              <a:rPr lang="en-US" altLang="zh-CN" dirty="0" smtClean="0"/>
-              <a:t>-----native</a:t>
-            </a:r>
-          </a:p>
-          <a:p>
-            <a:r>
-              <a:rPr lang="en-US" altLang="zh-CN" dirty="0"/>
-              <a:t> </a:t>
-            </a:r>
-            <a:r>
-              <a:rPr lang="en-US" altLang="zh-CN" dirty="0" smtClean="0"/>
-              <a:t>       2.</a:t>
-            </a:r>
-            <a:r>
-              <a:rPr lang="zh-CN" altLang="en-US" dirty="0" smtClean="0"/>
-              <a:t>通过</a:t>
-            </a:r>
-            <a:r>
-              <a:rPr lang="en-US" altLang="zh-CN" dirty="0" err="1" smtClean="0"/>
-              <a:t>sm</a:t>
-            </a:r>
-            <a:r>
-              <a:rPr lang="zh-CN" altLang="en-US" dirty="0" smtClean="0"/>
-              <a:t>去获取服务</a:t>
-            </a:r>
-            <a:r>
-              <a:rPr lang="en-US" altLang="zh-CN" dirty="0" smtClean="0"/>
-              <a:t>----------java</a:t>
-            </a:r>
-            <a:r>
-              <a:rPr lang="zh-CN" altLang="en-US" dirty="0" smtClean="0"/>
-              <a:t>层</a:t>
-            </a:r>
-            <a:endParaRPr lang="en-US" altLang="zh-CN" dirty="0" smtClean="0"/>
-          </a:p>
-          <a:p>
-            <a:endParaRPr lang="en-US" altLang="zh-CN" dirty="0"/>
-          </a:p>
-          <a:p>
-            <a:r>
-              <a:rPr lang="en-US" altLang="zh-CN" dirty="0" smtClean="0"/>
-              <a:t>        </a:t>
-            </a:r>
-            <a:r>
-              <a:rPr lang="zh-CN" altLang="en-US" dirty="0" smtClean="0"/>
-              <a:t>也是服务端</a:t>
-            </a:r>
-            <a:endParaRPr lang="en-US" altLang="zh-CN" dirty="0" smtClean="0"/>
-          </a:p>
-          <a:p>
-            <a:r>
-              <a:rPr lang="en-US" altLang="zh-CN" dirty="0"/>
-              <a:t> </a:t>
-            </a:r>
-            <a:r>
-              <a:rPr lang="en-US" altLang="zh-CN" dirty="0" smtClean="0"/>
-              <a:t>        1.ProcessState::self()</a:t>
-            </a:r>
-            <a:r>
-              <a:rPr lang="en-US" altLang="zh-CN" dirty="0" smtClean="0">
-                <a:sym typeface="Wingdings" panose="05000000000000000000" pitchFamily="2" charset="2"/>
-              </a:rPr>
-              <a:t> </a:t>
-            </a:r>
-            <a:r>
-              <a:rPr lang="en-US" altLang="zh-CN" dirty="0" err="1" smtClean="0">
-                <a:sym typeface="Wingdings" panose="05000000000000000000" pitchFamily="2" charset="2"/>
-              </a:rPr>
-              <a:t>getContextObject</a:t>
-            </a:r>
-            <a:r>
-              <a:rPr lang="en-US" altLang="zh-CN" dirty="0" smtClean="0">
-                <a:sym typeface="Wingdings" panose="05000000000000000000" pitchFamily="2" charset="2"/>
-              </a:rPr>
-              <a:t>(NULL)</a:t>
-            </a:r>
-          </a:p>
-          <a:p>
-            <a:r>
-              <a:rPr lang="en-US" altLang="zh-CN" dirty="0" smtClean="0">
-                <a:sym typeface="Wingdings" panose="05000000000000000000" pitchFamily="2" charset="2"/>
-              </a:rPr>
-              <a:t>             </a:t>
-            </a:r>
-            <a:r>
-              <a:rPr lang="en-US" altLang="zh-CN" dirty="0" smtClean="0"/>
-              <a:t>1.ProcessState::self()</a:t>
-            </a:r>
-            <a:endParaRPr lang="en-US" altLang="zh-CN" dirty="0">
-              <a:sym typeface="Wingdings" panose="05000000000000000000" pitchFamily="2" charset="2"/>
-            </a:endParaRPr>
-          </a:p>
-          <a:p>
-            <a:r>
-              <a:rPr lang="en-US" altLang="zh-CN" dirty="0" smtClean="0">
-                <a:sym typeface="Wingdings" panose="05000000000000000000" pitchFamily="2" charset="2"/>
-              </a:rPr>
-              <a:t>                   1.</a:t>
-            </a:r>
-            <a:r>
-              <a:rPr lang="zh-CN" altLang="en-US" dirty="0" smtClean="0">
-                <a:sym typeface="Wingdings" panose="05000000000000000000" pitchFamily="2" charset="2"/>
-              </a:rPr>
-              <a:t>打开驱动：</a:t>
-            </a:r>
-            <a:r>
-              <a:rPr lang="en-US" altLang="zh-CN" dirty="0" smtClean="0">
-                <a:sym typeface="Wingdings" panose="05000000000000000000" pitchFamily="2" charset="2"/>
-              </a:rPr>
-              <a:t>binder </a:t>
-            </a:r>
-          </a:p>
-          <a:p>
-            <a:r>
-              <a:rPr lang="en-US" altLang="zh-CN" dirty="0">
-                <a:sym typeface="Wingdings" panose="05000000000000000000" pitchFamily="2" charset="2"/>
-              </a:rPr>
-              <a:t> </a:t>
-            </a:r>
-            <a:r>
-              <a:rPr lang="en-US" altLang="zh-CN" dirty="0" smtClean="0">
-                <a:sym typeface="Wingdings" panose="05000000000000000000" pitchFamily="2" charset="2"/>
-              </a:rPr>
-              <a:t>                  2.</a:t>
-            </a:r>
-            <a:r>
-              <a:rPr lang="zh-CN" altLang="en-US" dirty="0" smtClean="0">
-                <a:sym typeface="Wingdings" panose="05000000000000000000" pitchFamily="2" charset="2"/>
-              </a:rPr>
-              <a:t>设置线程最大数目：</a:t>
-            </a:r>
-            <a:r>
-              <a:rPr lang="en-US" altLang="zh-CN" dirty="0" smtClean="0">
-                <a:sym typeface="Wingdings" panose="05000000000000000000" pitchFamily="2" charset="2"/>
-              </a:rPr>
-              <a:t>15</a:t>
-            </a:r>
-            <a:r>
-              <a:rPr lang="zh-CN" altLang="en-US" dirty="0" smtClean="0">
-                <a:sym typeface="Wingdings" panose="05000000000000000000" pitchFamily="2" charset="2"/>
-              </a:rPr>
-              <a:t>个</a:t>
-            </a:r>
-            <a:endParaRPr lang="en-US" altLang="zh-CN" dirty="0" smtClean="0">
-              <a:sym typeface="Wingdings" panose="05000000000000000000" pitchFamily="2" charset="2"/>
-            </a:endParaRPr>
-          </a:p>
-          <a:p>
-            <a:r>
-              <a:rPr lang="en-US" altLang="zh-CN" dirty="0">
-                <a:sym typeface="Wingdings" panose="05000000000000000000" pitchFamily="2" charset="2"/>
-              </a:rPr>
-              <a:t> </a:t>
-            </a:r>
-            <a:r>
-              <a:rPr lang="en-US" altLang="zh-CN" dirty="0" smtClean="0">
-                <a:sym typeface="Wingdings" panose="05000000000000000000" pitchFamily="2" charset="2"/>
-              </a:rPr>
-              <a:t>                  3.mmap----</a:t>
-            </a:r>
-            <a:r>
-              <a:rPr lang="zh-CN" altLang="en-US" dirty="0" smtClean="0">
-                <a:sym typeface="Wingdings" panose="05000000000000000000" pitchFamily="2" charset="2"/>
-              </a:rPr>
-              <a:t>设置共享内存大小</a:t>
-            </a:r>
-            <a:endParaRPr lang="en-US" altLang="zh-CN" dirty="0" smtClean="0">
-              <a:sym typeface="Wingdings" panose="05000000000000000000" pitchFamily="2" charset="2"/>
-            </a:endParaRPr>
-          </a:p>
-          <a:p>
-            <a:r>
-              <a:rPr lang="en-US" altLang="zh-CN" dirty="0">
-                <a:sym typeface="Wingdings" panose="05000000000000000000" pitchFamily="2" charset="2"/>
-              </a:rPr>
-              <a:t> </a:t>
-            </a:r>
-            <a:r>
-              <a:rPr lang="en-US" altLang="zh-CN" dirty="0" smtClean="0">
-                <a:sym typeface="Wingdings" panose="05000000000000000000" pitchFamily="2" charset="2"/>
-              </a:rPr>
-              <a:t>             2.</a:t>
-            </a:r>
-            <a:r>
-              <a:rPr lang="en-US" altLang="zh-CN" dirty="0" smtClean="0">
-                <a:sym typeface="Wingdings" panose="05000000000000000000" pitchFamily="2" charset="2"/>
-              </a:rPr>
-              <a:t> </a:t>
-            </a:r>
-            <a:r>
-              <a:rPr lang="en-US" altLang="zh-CN" dirty="0" err="1" smtClean="0">
-                <a:sym typeface="Wingdings" panose="05000000000000000000" pitchFamily="2" charset="2"/>
-              </a:rPr>
-              <a:t>getContextObject</a:t>
-            </a:r>
-            <a:r>
-              <a:rPr lang="en-US" altLang="zh-CN" dirty="0" smtClean="0">
-                <a:sym typeface="Wingdings" panose="05000000000000000000" pitchFamily="2" charset="2"/>
-              </a:rPr>
-              <a:t>(NULL)</a:t>
-            </a:r>
-          </a:p>
-          <a:p>
-            <a:r>
-              <a:rPr lang="en-US" altLang="zh-CN" dirty="0">
-                <a:sym typeface="Wingdings" panose="05000000000000000000" pitchFamily="2" charset="2"/>
-              </a:rPr>
-              <a:t> </a:t>
-            </a:r>
-            <a:r>
-              <a:rPr lang="en-US" altLang="zh-CN" dirty="0" smtClean="0">
-                <a:sym typeface="Wingdings" panose="05000000000000000000" pitchFamily="2" charset="2"/>
-              </a:rPr>
-              <a:t>                   1.</a:t>
-            </a:r>
-            <a:r>
-              <a:rPr lang="zh-CN" altLang="en-US" dirty="0" smtClean="0">
-                <a:sym typeface="Wingdings" panose="05000000000000000000" pitchFamily="2" charset="2"/>
-              </a:rPr>
-              <a:t>创建一个</a:t>
-            </a:r>
-            <a:r>
-              <a:rPr lang="en-US" altLang="zh-CN" dirty="0" err="1" smtClean="0">
-                <a:sym typeface="Wingdings" panose="05000000000000000000" pitchFamily="2" charset="2"/>
-              </a:rPr>
-              <a:t>BpBinder</a:t>
-            </a:r>
-            <a:r>
-              <a:rPr lang="en-US" altLang="zh-CN" dirty="0" smtClean="0">
-                <a:sym typeface="Wingdings" panose="05000000000000000000" pitchFamily="2" charset="2"/>
-              </a:rPr>
-              <a:t>() -----</a:t>
-            </a:r>
-            <a:r>
-              <a:rPr lang="zh-CN" altLang="en-US" dirty="0" smtClean="0">
-                <a:sym typeface="Wingdings" panose="05000000000000000000" pitchFamily="2" charset="2"/>
-              </a:rPr>
-              <a:t>客户端的对象</a:t>
-            </a:r>
-            <a:endParaRPr lang="en-US" altLang="zh-CN" dirty="0" smtClean="0">
-              <a:sym typeface="Wingdings" panose="05000000000000000000" pitchFamily="2" charset="2"/>
-            </a:endParaRPr>
-          </a:p>
-          <a:p>
-            <a:r>
-              <a:rPr lang="en-US" altLang="zh-CN" dirty="0">
-                <a:sym typeface="Wingdings" panose="05000000000000000000" pitchFamily="2" charset="2"/>
-              </a:rPr>
-              <a:t> </a:t>
-            </a:r>
-            <a:r>
-              <a:rPr lang="en-US" altLang="zh-CN" dirty="0" smtClean="0">
-                <a:sym typeface="Wingdings" panose="05000000000000000000" pitchFamily="2" charset="2"/>
-              </a:rPr>
-              <a:t>        2.interface_cast</a:t>
-            </a:r>
-          </a:p>
-          <a:p>
-            <a:r>
-              <a:rPr lang="en-US" altLang="zh-CN" dirty="0">
-                <a:sym typeface="Wingdings" panose="05000000000000000000" pitchFamily="2" charset="2"/>
-              </a:rPr>
-              <a:t> </a:t>
-            </a:r>
-            <a:r>
-              <a:rPr lang="en-US" altLang="zh-CN" dirty="0" smtClean="0">
-                <a:sym typeface="Wingdings" panose="05000000000000000000" pitchFamily="2" charset="2"/>
-              </a:rPr>
-              <a:t>               1.BpServiceManager(new </a:t>
-            </a:r>
-            <a:r>
-              <a:rPr lang="en-US" altLang="zh-CN" dirty="0" err="1" smtClean="0">
-                <a:sym typeface="Wingdings" panose="05000000000000000000" pitchFamily="2" charset="2"/>
-              </a:rPr>
-              <a:t>BpBinder</a:t>
-            </a:r>
-            <a:r>
-              <a:rPr lang="en-US" altLang="zh-CN" dirty="0" smtClean="0">
-                <a:sym typeface="Wingdings" panose="05000000000000000000" pitchFamily="2" charset="2"/>
-              </a:rPr>
-              <a:t>)====new Proxy(binder==</a:t>
-            </a:r>
-            <a:r>
-              <a:rPr lang="en-US" altLang="zh-CN" dirty="0" err="1" smtClean="0">
-                <a:sym typeface="Wingdings" panose="05000000000000000000" pitchFamily="2" charset="2"/>
-              </a:rPr>
-              <a:t>BinderProxy</a:t>
-            </a:r>
-            <a:r>
-              <a:rPr lang="en-US" altLang="zh-CN" dirty="0" smtClean="0">
-                <a:sym typeface="Wingdings" panose="05000000000000000000" pitchFamily="2" charset="2"/>
-              </a:rPr>
-              <a:t>)</a:t>
-            </a:r>
-          </a:p>
-          <a:p>
-            <a:r>
-              <a:rPr lang="en-US" altLang="zh-CN" dirty="0">
-                <a:sym typeface="Wingdings" panose="05000000000000000000" pitchFamily="2" charset="2"/>
-              </a:rPr>
-              <a:t> </a:t>
-            </a:r>
-            <a:r>
-              <a:rPr lang="en-US" altLang="zh-CN" dirty="0" smtClean="0">
-                <a:sym typeface="Wingdings" panose="05000000000000000000" pitchFamily="2" charset="2"/>
-              </a:rPr>
-              <a:t>               2.remote.transact-----</a:t>
-            </a:r>
-            <a:r>
-              <a:rPr lang="zh-CN" altLang="en-US" dirty="0" smtClean="0">
-                <a:sym typeface="Wingdings" panose="05000000000000000000" pitchFamily="2" charset="2"/>
-              </a:rPr>
-              <a:t>远程调用</a:t>
-            </a:r>
-            <a:endParaRPr lang="en-US" altLang="zh-CN" dirty="0" smtClean="0">
-              <a:sym typeface="Wingdings" panose="05000000000000000000" pitchFamily="2" charset="2"/>
-            </a:endParaRPr>
-          </a:p>
-          <a:p>
-            <a:r>
-              <a:rPr lang="en-US" altLang="zh-CN" dirty="0">
-                <a:sym typeface="Wingdings" panose="05000000000000000000" pitchFamily="2" charset="2"/>
-              </a:rPr>
-              <a:t> </a:t>
-            </a:r>
-            <a:r>
-              <a:rPr lang="en-US" altLang="zh-CN" dirty="0" smtClean="0">
-                <a:sym typeface="Wingdings" panose="05000000000000000000" pitchFamily="2" charset="2"/>
-              </a:rPr>
-              <a:t>               3.remote==</a:t>
-            </a:r>
-            <a:r>
-              <a:rPr lang="en-US" altLang="zh-CN" dirty="0" err="1" smtClean="0">
-                <a:sym typeface="Wingdings" panose="05000000000000000000" pitchFamily="2" charset="2"/>
-              </a:rPr>
-              <a:t>BpBinder</a:t>
-            </a:r>
-            <a:endParaRPr lang="en-US" altLang="zh-CN" dirty="0" smtClean="0">
-              <a:sym typeface="Wingdings" panose="05000000000000000000" pitchFamily="2" charset="2"/>
-            </a:endParaRPr>
-          </a:p>
-          <a:p>
-            <a:endParaRPr lang="en-US" altLang="zh-CN" dirty="0">
-              <a:sym typeface="Wingdings" panose="05000000000000000000" pitchFamily="2" charset="2"/>
-            </a:endParaRPr>
-          </a:p>
-          <a:p>
-            <a:r>
-              <a:rPr lang="en-US" altLang="zh-CN" dirty="0" smtClean="0">
-                <a:sym typeface="Wingdings" panose="05000000000000000000" pitchFamily="2" charset="2"/>
-              </a:rPr>
-              <a:t>         3.java</a:t>
-            </a:r>
-            <a:r>
-              <a:rPr lang="zh-CN" altLang="en-US" dirty="0" smtClean="0">
-                <a:sym typeface="Wingdings" panose="05000000000000000000" pitchFamily="2" charset="2"/>
-              </a:rPr>
-              <a:t>层</a:t>
-            </a:r>
-            <a:endParaRPr lang="en-US" altLang="zh-CN" dirty="0" smtClean="0">
-              <a:sym typeface="Wingdings" panose="05000000000000000000" pitchFamily="2" charset="2"/>
-            </a:endParaRPr>
-          </a:p>
-          <a:p>
-            <a:r>
-              <a:rPr lang="en-US" altLang="zh-CN" dirty="0" smtClean="0">
-                <a:sym typeface="Wingdings" panose="05000000000000000000" pitchFamily="2" charset="2"/>
-              </a:rPr>
-              <a:t>                 1.new </a:t>
-            </a:r>
-            <a:r>
-              <a:rPr lang="en-US" altLang="zh-CN" dirty="0" err="1" smtClean="0">
-                <a:sym typeface="Wingdings" panose="05000000000000000000" pitchFamily="2" charset="2"/>
-              </a:rPr>
-              <a:t>ServiceManagerProxy</a:t>
-            </a:r>
-            <a:r>
-              <a:rPr lang="en-US" altLang="zh-CN" dirty="0" smtClean="0">
-                <a:sym typeface="Wingdings" panose="05000000000000000000" pitchFamily="2" charset="2"/>
-              </a:rPr>
-              <a:t>(new </a:t>
-            </a:r>
-            <a:r>
-              <a:rPr lang="en-US" altLang="zh-CN" dirty="0" err="1" smtClean="0">
-                <a:sym typeface="Wingdings" panose="05000000000000000000" pitchFamily="2" charset="2"/>
-              </a:rPr>
-              <a:t>BinderProxy</a:t>
-            </a:r>
-            <a:r>
-              <a:rPr lang="en-US" altLang="zh-CN" dirty="0" smtClean="0">
-                <a:sym typeface="Wingdings" panose="05000000000000000000" pitchFamily="2" charset="2"/>
-              </a:rPr>
-              <a:t>)</a:t>
-            </a:r>
-          </a:p>
-          <a:p>
-            <a:r>
-              <a:rPr lang="en-US" altLang="zh-CN" dirty="0">
-                <a:sym typeface="Wingdings" panose="05000000000000000000" pitchFamily="2" charset="2"/>
-              </a:rPr>
-              <a:t> </a:t>
-            </a:r>
-            <a:r>
-              <a:rPr lang="en-US" altLang="zh-CN" dirty="0" smtClean="0">
-                <a:sym typeface="Wingdings" panose="05000000000000000000" pitchFamily="2" charset="2"/>
-              </a:rPr>
-              <a:t>                2.mRemote==</a:t>
-            </a:r>
-            <a:r>
-              <a:rPr lang="en-US" altLang="zh-CN" dirty="0" err="1" smtClean="0">
-                <a:sym typeface="Wingdings" panose="05000000000000000000" pitchFamily="2" charset="2"/>
-              </a:rPr>
-              <a:t>BinderProxy</a:t>
-            </a:r>
-            <a:endParaRPr lang="en-US" altLang="zh-CN" dirty="0" smtClean="0">
-              <a:sym typeface="Wingdings" panose="05000000000000000000" pitchFamily="2" charset="2"/>
-            </a:endParaRPr>
-          </a:p>
-          <a:p>
-            <a:r>
-              <a:rPr lang="en-US" altLang="zh-CN" dirty="0">
-                <a:sym typeface="Wingdings" panose="05000000000000000000" pitchFamily="2" charset="2"/>
-              </a:rPr>
-              <a:t> </a:t>
-            </a:r>
-            <a:r>
-              <a:rPr lang="en-US" altLang="zh-CN" dirty="0" smtClean="0">
-                <a:sym typeface="Wingdings" panose="05000000000000000000" pitchFamily="2" charset="2"/>
-              </a:rPr>
-              <a:t>                3.BinderProxy.mObject==</a:t>
-            </a:r>
-            <a:r>
-              <a:rPr lang="en-US" altLang="zh-CN" dirty="0" err="1" smtClean="0">
-                <a:sym typeface="Wingdings" panose="05000000000000000000" pitchFamily="2" charset="2"/>
-              </a:rPr>
-              <a:t>BpBinder</a:t>
-            </a:r>
-            <a:endParaRPr lang="en-US" altLang="zh-CN" dirty="0" smtClean="0">
-              <a:sym typeface="Wingdings" panose="05000000000000000000" pitchFamily="2" charset="2"/>
-            </a:endParaRPr>
-          </a:p>
-          <a:p>
-            <a:r>
-              <a:rPr lang="en-US" altLang="zh-CN" dirty="0">
-                <a:sym typeface="Wingdings" panose="05000000000000000000" pitchFamily="2" charset="2"/>
-              </a:rPr>
-              <a:t> </a:t>
-            </a:r>
-            <a:r>
-              <a:rPr lang="en-US" altLang="zh-CN" dirty="0" smtClean="0">
-                <a:sym typeface="Wingdings" panose="05000000000000000000" pitchFamily="2" charset="2"/>
-              </a:rPr>
-              <a:t>                4.mRemote.transact==</a:t>
-            </a:r>
-            <a:r>
-              <a:rPr lang="en-US" altLang="zh-CN" dirty="0" err="1" smtClean="0">
-                <a:sym typeface="Wingdings" panose="05000000000000000000" pitchFamily="2" charset="2"/>
-              </a:rPr>
-              <a:t>BpBinder.transact</a:t>
-            </a:r>
-            <a:r>
-              <a:rPr lang="en-US" altLang="zh-CN" dirty="0" smtClean="0">
-                <a:sym typeface="Wingdings" panose="05000000000000000000" pitchFamily="2" charset="2"/>
-              </a:rPr>
-              <a:t> </a:t>
-            </a:r>
-          </a:p>
-          <a:p>
-            <a:r>
-              <a:rPr lang="en-US" altLang="zh-CN" dirty="0">
-                <a:sym typeface="Wingdings" panose="05000000000000000000" pitchFamily="2" charset="2"/>
-              </a:rPr>
-              <a:t> </a:t>
-            </a:r>
-            <a:r>
-              <a:rPr lang="en-US" altLang="zh-CN" dirty="0" smtClean="0">
-                <a:sym typeface="Wingdings" panose="05000000000000000000" pitchFamily="2" charset="2"/>
-              </a:rPr>
-              <a:t>                    </a:t>
-            </a:r>
-            <a:endParaRPr lang="zh-CN" altLang="en-US" dirty="0"/>
-          </a:p>
-        </p:txBody>
-      </p:sp>
-      <p:sp>
-        <p:nvSpPr>
-          <p:cNvPr id="5" name="文本框 4"/>
-          <p:cNvSpPr txBox="1"/>
-          <p:nvPr/>
-        </p:nvSpPr>
-        <p:spPr>
-          <a:xfrm>
-            <a:off x="8939719" y="603115"/>
-            <a:ext cx="3122579" cy="1477328"/>
-          </a:xfrm>
-          <a:prstGeom prst="rect">
-            <a:avLst/>
-          </a:prstGeom>
-          <a:noFill/>
-        </p:spPr>
-        <p:txBody>
-          <a:bodyPr wrap="square" rtlCol="0">
-            <a:spAutoFit/>
-          </a:bodyPr>
-          <a:lstStyle/>
-          <a:p>
-            <a:r>
-              <a:rPr lang="en-US" altLang="zh-CN" dirty="0" err="1" smtClean="0"/>
-              <a:t>BbBinder</a:t>
-            </a:r>
-            <a:r>
-              <a:rPr lang="zh-CN" altLang="en-US" dirty="0" smtClean="0"/>
-              <a:t>创建的服务器的</a:t>
-            </a:r>
-            <a:r>
-              <a:rPr lang="en-US" altLang="zh-CN" dirty="0" smtClean="0"/>
-              <a:t>SM</a:t>
-            </a:r>
-            <a:r>
-              <a:rPr lang="zh-CN" altLang="en-US" dirty="0" smtClean="0"/>
-              <a:t>对象。</a:t>
-            </a:r>
-            <a:endParaRPr lang="en-US" altLang="zh-CN" dirty="0" smtClean="0"/>
-          </a:p>
-          <a:p>
-            <a:r>
-              <a:rPr lang="en-US" altLang="zh-CN" dirty="0" err="1" smtClean="0"/>
-              <a:t>BpBinder</a:t>
-            </a:r>
-            <a:r>
-              <a:rPr lang="zh-CN" altLang="en-US" dirty="0" smtClean="0"/>
-              <a:t>是客服端的类似与</a:t>
-            </a:r>
-            <a:r>
-              <a:rPr lang="en-US" altLang="zh-CN" dirty="0" err="1" smtClean="0"/>
-              <a:t>BbBinder</a:t>
-            </a:r>
-            <a:r>
-              <a:rPr lang="zh-CN" altLang="en-US" dirty="0" smtClean="0"/>
-              <a:t>的远程代理对象。</a:t>
-            </a:r>
-            <a:endParaRPr lang="en-US" altLang="zh-CN" dirty="0" smtClean="0"/>
-          </a:p>
-          <a:p>
-            <a:r>
-              <a:rPr lang="en-US" altLang="zh-CN" dirty="0" err="1" smtClean="0"/>
-              <a:t>BbBinder</a:t>
-            </a:r>
-            <a:r>
-              <a:rPr lang="zh-CN" altLang="en-US" dirty="0" smtClean="0"/>
-              <a:t>实例</a:t>
-            </a:r>
-            <a:r>
-              <a:rPr lang="en-US" altLang="zh-CN" dirty="0" smtClean="0"/>
-              <a:t>---</a:t>
-            </a:r>
-            <a:r>
-              <a:rPr lang="en-US" altLang="zh-CN" dirty="0" err="1" smtClean="0"/>
-              <a:t>BpBinder</a:t>
-            </a:r>
-            <a:r>
-              <a:rPr lang="zh-CN" altLang="en-US" dirty="0" smtClean="0"/>
-              <a:t>映射</a:t>
-            </a:r>
-            <a:endParaRPr lang="zh-CN" altLang="en-US" dirty="0"/>
-          </a:p>
-        </p:txBody>
-      </p:sp>
-    </p:spTree>
-    <p:extLst>
-      <p:ext uri="{BB962C8B-B14F-4D97-AF65-F5344CB8AC3E}">
-        <p14:creationId xmlns:p14="http://schemas.microsoft.com/office/powerpoint/2010/main" val="3000219238"/>
-      </p:ext>
-    </p:extLst>
-  </p:cSld>
-  <p:clrMapOvr>
-    <a:masterClrMapping/>
-  </p:clrMapOvr>
-</p:sld>
-</file>
-
-<file path=ppt/slides/slide4.xml><?xml version="1.0" encoding="utf-8"?>
+<file path=ppt/slides/slide11.xml><?xml version="1.0" encoding="utf-8"?>
 <p:sld xmlns:a="http://schemas.openxmlformats.org/drawingml/2006/main" xmlns:r="http://schemas.openxmlformats.org/officeDocument/2006/relationships" xmlns:p="http://schemas.openxmlformats.org/presentationml/2006/main">
   <p:cSld>
     <p:spTree>
@@ -4342,14 +3326,487 @@
         </p:blipFill>
         <p:spPr>
           <a:xfrm>
-            <a:off x="1251861" y="723522"/>
-            <a:ext cx="9688277" cy="5410955"/>
+            <a:off x="1071387" y="584182"/>
+            <a:ext cx="6878010" cy="5572903"/>
           </a:xfrm>
           <a:prstGeom prst="rect">
             <a:avLst/>
           </a:prstGeom>
         </p:spPr>
       </p:pic>
+    </p:spTree>
+    <p:extLst>
+      <p:ext uri="{BB962C8B-B14F-4D97-AF65-F5344CB8AC3E}">
+        <p14:creationId xmlns:p14="http://schemas.microsoft.com/office/powerpoint/2010/main" val="3382055762"/>
+      </p:ext>
+    </p:extLst>
+  </p:cSld>
+  <p:clrMapOvr>
+    <a:masterClrMapping/>
+  </p:clrMapOvr>
+</p:sld>
+</file>
+
+<file path=ppt/slides/slide2.xml><?xml version="1.0" encoding="utf-8"?>
+<p:sld xmlns:a="http://schemas.openxmlformats.org/drawingml/2006/main" xmlns:r="http://schemas.openxmlformats.org/officeDocument/2006/relationships" xmlns:p="http://schemas.openxmlformats.org/presentationml/2006/main">
+  <p:cSld>
+    <p:spTree>
+      <p:nvGrpSpPr>
+        <p:cNvPr id="1" name=""/>
+        <p:cNvGrpSpPr/>
+        <p:nvPr/>
+      </p:nvGrpSpPr>
+      <p:grpSpPr>
+        <a:xfrm>
+          <a:off x="0" y="0"/>
+          <a:ext cx="0" cy="0"/>
+          <a:chOff x="0" y="0"/>
+          <a:chExt cx="0" cy="0"/>
+        </a:xfrm>
+      </p:grpSpPr>
+      <p:sp>
+        <p:nvSpPr>
+          <p:cNvPr id="4" name="文本框 3"/>
+          <p:cNvSpPr txBox="1"/>
+          <p:nvPr/>
+        </p:nvSpPr>
+        <p:spPr>
+          <a:xfrm>
+            <a:off x="635000" y="1049154"/>
+            <a:ext cx="8239225" cy="6186309"/>
+          </a:xfrm>
+          <a:prstGeom prst="rect">
+            <a:avLst/>
+          </a:prstGeom>
+          <a:noFill/>
+        </p:spPr>
+        <p:txBody>
+          <a:bodyPr wrap="square" rtlCol="0">
+            <a:spAutoFit/>
+          </a:bodyPr>
+          <a:lstStyle/>
+          <a:p>
+            <a:r>
+              <a:rPr lang="en-US" altLang="zh-CN" dirty="0" err="1"/>
+              <a:t>b</a:t>
+            </a:r>
+            <a:r>
+              <a:rPr lang="en-US" altLang="zh-CN" dirty="0" err="1" smtClean="0"/>
+              <a:t>inder_mmap</a:t>
+            </a:r>
+            <a:endParaRPr lang="en-US" altLang="zh-CN" dirty="0" smtClean="0"/>
+          </a:p>
+          <a:p>
+            <a:r>
+              <a:rPr lang="en-US" altLang="zh-CN" dirty="0" smtClean="0"/>
+              <a:t>     1.</a:t>
+            </a:r>
+            <a:r>
+              <a:rPr lang="zh-CN" altLang="en-US" dirty="0" smtClean="0"/>
+              <a:t>通过用户空间的虚拟内存大小</a:t>
+            </a:r>
+            <a:r>
+              <a:rPr lang="en-US" altLang="zh-CN" dirty="0" smtClean="0"/>
+              <a:t>------</a:t>
+            </a:r>
+            <a:r>
+              <a:rPr lang="zh-CN" altLang="en-US" dirty="0" smtClean="0"/>
+              <a:t>分配一块内核的虚拟内存</a:t>
+            </a:r>
+            <a:endParaRPr lang="en-US" altLang="zh-CN" dirty="0" smtClean="0"/>
+          </a:p>
+          <a:p>
+            <a:r>
+              <a:rPr lang="en-US" altLang="zh-CN" dirty="0"/>
+              <a:t> </a:t>
+            </a:r>
+            <a:r>
+              <a:rPr lang="en-US" altLang="zh-CN" dirty="0" smtClean="0"/>
+              <a:t>    2.</a:t>
+            </a:r>
+            <a:r>
+              <a:rPr lang="zh-CN" altLang="en-US" dirty="0" smtClean="0"/>
+              <a:t>分配了一块物理内存</a:t>
+            </a:r>
+            <a:r>
+              <a:rPr lang="en-US" altLang="zh-CN" dirty="0" smtClean="0"/>
+              <a:t>-----4KB</a:t>
+            </a:r>
+          </a:p>
+          <a:p>
+            <a:r>
+              <a:rPr lang="en-US" altLang="zh-CN" dirty="0"/>
+              <a:t> </a:t>
+            </a:r>
+            <a:r>
+              <a:rPr lang="en-US" altLang="zh-CN" dirty="0" smtClean="0"/>
+              <a:t>    3.</a:t>
+            </a:r>
+            <a:r>
+              <a:rPr lang="zh-CN" altLang="en-US" dirty="0" smtClean="0"/>
+              <a:t>把这块物理内存分别映射到   用户空间的虚拟内存和内核的虚拟内存</a:t>
+            </a:r>
+            <a:endParaRPr lang="en-US" altLang="zh-CN" dirty="0" smtClean="0"/>
+          </a:p>
+          <a:p>
+            <a:endParaRPr lang="en-US" altLang="zh-CN" dirty="0"/>
+          </a:p>
+          <a:p>
+            <a:r>
+              <a:rPr lang="en-US" altLang="zh-CN" dirty="0" err="1" smtClean="0"/>
+              <a:t>binder_ioctl</a:t>
+            </a:r>
+            <a:endParaRPr lang="en-US" altLang="zh-CN" dirty="0" smtClean="0"/>
+          </a:p>
+          <a:p>
+            <a:r>
+              <a:rPr lang="en-US" altLang="zh-CN" dirty="0"/>
+              <a:t> </a:t>
+            </a:r>
+            <a:r>
+              <a:rPr lang="en-US" altLang="zh-CN" dirty="0" smtClean="0"/>
+              <a:t>     </a:t>
+            </a:r>
+            <a:r>
+              <a:rPr lang="zh-CN" altLang="en-US" dirty="0" smtClean="0"/>
+              <a:t>读写操作</a:t>
+            </a:r>
+            <a:r>
+              <a:rPr lang="en-US" altLang="zh-CN" dirty="0" smtClean="0"/>
+              <a:t>-----BINDER_WRITE_READ-----</a:t>
+            </a:r>
+            <a:r>
+              <a:rPr lang="en-US" altLang="zh-CN" dirty="0" err="1" smtClean="0"/>
+              <a:t>ioctl</a:t>
+            </a:r>
+            <a:r>
+              <a:rPr lang="en-US" altLang="zh-CN" dirty="0" smtClean="0"/>
+              <a:t>(BINDER_WRITE_READ)</a:t>
+            </a:r>
+          </a:p>
+          <a:p>
+            <a:r>
+              <a:rPr lang="en-US" altLang="zh-CN" dirty="0"/>
+              <a:t> </a:t>
+            </a:r>
+            <a:r>
+              <a:rPr lang="en-US" altLang="zh-CN" dirty="0" smtClean="0"/>
+              <a:t>     </a:t>
+            </a:r>
+            <a:r>
+              <a:rPr lang="zh-CN" altLang="en-US" dirty="0" smtClean="0"/>
+              <a:t>数据头</a:t>
+            </a:r>
+            <a:r>
+              <a:rPr lang="en-US" altLang="zh-CN" dirty="0" smtClean="0"/>
+              <a:t>-----</a:t>
+            </a:r>
+            <a:r>
+              <a:rPr lang="zh-CN" altLang="en-US" dirty="0" smtClean="0"/>
+              <a:t>无效数据</a:t>
+            </a:r>
+            <a:endParaRPr lang="en-US" altLang="zh-CN" dirty="0" smtClean="0"/>
+          </a:p>
+          <a:p>
+            <a:r>
+              <a:rPr lang="en-US" altLang="zh-CN" dirty="0"/>
+              <a:t> </a:t>
+            </a:r>
+            <a:r>
+              <a:rPr lang="en-US" altLang="zh-CN" dirty="0" smtClean="0"/>
+              <a:t>     </a:t>
+            </a:r>
+            <a:r>
+              <a:rPr lang="zh-CN" altLang="en-US" dirty="0" smtClean="0"/>
+              <a:t>有效数据</a:t>
+            </a:r>
+            <a:r>
+              <a:rPr lang="en-US" altLang="zh-CN" dirty="0" smtClean="0"/>
+              <a:t>-----</a:t>
+            </a:r>
+            <a:r>
+              <a:rPr lang="zh-CN" altLang="en-US" dirty="0" smtClean="0"/>
+              <a:t>拷贝一次</a:t>
+            </a:r>
+            <a:r>
+              <a:rPr lang="en-US" altLang="zh-CN" dirty="0" smtClean="0"/>
+              <a:t>----</a:t>
+            </a:r>
+          </a:p>
+          <a:p>
+            <a:endParaRPr lang="en-US" altLang="zh-CN" dirty="0" smtClean="0"/>
+          </a:p>
+          <a:p>
+            <a:r>
+              <a:rPr lang="en-US" altLang="zh-CN" dirty="0" smtClean="0"/>
+              <a:t>node-----</a:t>
+            </a:r>
+            <a:r>
+              <a:rPr lang="en-US" altLang="zh-CN" dirty="0" err="1" smtClean="0"/>
+              <a:t>sm</a:t>
+            </a:r>
+            <a:r>
+              <a:rPr lang="zh-CN" altLang="en-US" dirty="0" smtClean="0"/>
+              <a:t>注册</a:t>
+            </a:r>
+            <a:r>
+              <a:rPr lang="en-US" altLang="zh-CN" dirty="0" smtClean="0"/>
+              <a:t>----</a:t>
+            </a:r>
+            <a:r>
+              <a:rPr lang="en-US" altLang="zh-CN" dirty="0" err="1" smtClean="0"/>
+              <a:t>ServiceManager</a:t>
+            </a:r>
+            <a:endParaRPr lang="en-US" altLang="zh-CN" dirty="0" smtClean="0"/>
+          </a:p>
+          <a:p>
+            <a:r>
+              <a:rPr lang="en-US" altLang="zh-CN" dirty="0" smtClean="0"/>
+              <a:t>       1.</a:t>
+            </a:r>
+            <a:r>
+              <a:rPr lang="zh-CN" altLang="en-US" dirty="0" smtClean="0"/>
+              <a:t>打开驱动，内存映射</a:t>
+            </a:r>
+            <a:r>
+              <a:rPr lang="en-US" altLang="zh-CN" dirty="0" smtClean="0">
+                <a:sym typeface="Wingdings" panose="05000000000000000000" pitchFamily="2" charset="2"/>
+              </a:rPr>
+              <a:t>(</a:t>
+            </a:r>
+            <a:r>
+              <a:rPr lang="zh-CN" altLang="en-US" dirty="0" smtClean="0">
+                <a:sym typeface="Wingdings" panose="05000000000000000000" pitchFamily="2" charset="2"/>
+              </a:rPr>
+              <a:t>设置大小：</a:t>
+            </a:r>
+            <a:r>
+              <a:rPr lang="en-US" altLang="zh-CN" dirty="0" smtClean="0">
+                <a:sym typeface="Wingdings" panose="05000000000000000000" pitchFamily="2" charset="2"/>
+              </a:rPr>
+              <a:t>128K)</a:t>
+            </a:r>
+            <a:endParaRPr lang="en-US" altLang="zh-CN" dirty="0" smtClean="0"/>
+          </a:p>
+          <a:p>
+            <a:r>
+              <a:rPr lang="en-US" altLang="zh-CN" dirty="0"/>
+              <a:t> </a:t>
+            </a:r>
+            <a:r>
+              <a:rPr lang="en-US" altLang="zh-CN" dirty="0" smtClean="0"/>
+              <a:t>      2.</a:t>
+            </a:r>
+            <a:r>
+              <a:rPr lang="zh-CN" altLang="en-US" dirty="0" smtClean="0"/>
+              <a:t>设置</a:t>
+            </a:r>
+            <a:r>
+              <a:rPr lang="en-US" altLang="zh-CN" dirty="0" smtClean="0"/>
+              <a:t>SM</a:t>
+            </a:r>
+            <a:r>
+              <a:rPr lang="zh-CN" altLang="en-US" dirty="0" smtClean="0"/>
+              <a:t>为大管家</a:t>
+            </a:r>
+            <a:r>
+              <a:rPr lang="en-US" altLang="zh-CN" dirty="0" smtClean="0"/>
+              <a:t>-------</a:t>
+            </a:r>
+            <a:r>
+              <a:rPr lang="en-US" altLang="zh-CN" dirty="0" err="1" smtClean="0"/>
+              <a:t>sm</a:t>
+            </a:r>
+            <a:r>
+              <a:rPr lang="zh-CN" altLang="en-US" dirty="0" smtClean="0"/>
+              <a:t>作用为了管理系统服务</a:t>
+            </a:r>
+            <a:endParaRPr lang="en-US" altLang="zh-CN" dirty="0" smtClean="0"/>
+          </a:p>
+          <a:p>
+            <a:r>
+              <a:rPr lang="en-US" altLang="zh-CN" dirty="0"/>
+              <a:t> </a:t>
+            </a:r>
+            <a:r>
+              <a:rPr lang="en-US" altLang="zh-CN" dirty="0" smtClean="0"/>
+              <a:t>              1.</a:t>
+            </a:r>
+            <a:r>
+              <a:rPr lang="zh-CN" altLang="en-US" dirty="0" smtClean="0"/>
+              <a:t>创建</a:t>
+            </a:r>
+            <a:r>
+              <a:rPr lang="en-US" altLang="zh-CN" dirty="0" err="1" smtClean="0"/>
+              <a:t>binder_node</a:t>
+            </a:r>
+            <a:r>
+              <a:rPr lang="zh-CN" altLang="en-US" dirty="0" smtClean="0"/>
+              <a:t>结构体对象</a:t>
+            </a:r>
+            <a:endParaRPr lang="en-US" altLang="zh-CN" dirty="0" smtClean="0"/>
+          </a:p>
+          <a:p>
+            <a:r>
+              <a:rPr lang="en-US" altLang="zh-CN" dirty="0"/>
+              <a:t> </a:t>
+            </a:r>
+            <a:r>
+              <a:rPr lang="en-US" altLang="zh-CN" dirty="0" smtClean="0"/>
+              <a:t>              2.proc----</a:t>
+            </a:r>
+            <a:r>
+              <a:rPr lang="en-US" altLang="zh-CN" dirty="0" err="1" smtClean="0"/>
+              <a:t>binder_node</a:t>
+            </a:r>
+            <a:endParaRPr lang="en-US" altLang="zh-CN" dirty="0" smtClean="0"/>
+          </a:p>
+          <a:p>
+            <a:r>
+              <a:rPr lang="en-US" altLang="zh-CN" dirty="0"/>
+              <a:t> </a:t>
+            </a:r>
+            <a:r>
+              <a:rPr lang="en-US" altLang="zh-CN" dirty="0" smtClean="0"/>
+              <a:t>              3.</a:t>
+            </a:r>
+            <a:r>
+              <a:rPr lang="zh-CN" altLang="en-US" dirty="0" smtClean="0"/>
+              <a:t>创建</a:t>
+            </a:r>
+            <a:r>
+              <a:rPr lang="en-US" altLang="zh-CN" dirty="0" smtClean="0"/>
+              <a:t>work</a:t>
+            </a:r>
+            <a:r>
+              <a:rPr lang="zh-CN" altLang="en-US" dirty="0" smtClean="0"/>
+              <a:t>和</a:t>
+            </a:r>
+            <a:r>
+              <a:rPr lang="en-US" altLang="zh-CN" dirty="0" err="1" smtClean="0"/>
+              <a:t>todo</a:t>
+            </a:r>
+            <a:r>
+              <a:rPr lang="en-US" altLang="zh-CN" dirty="0" smtClean="0"/>
+              <a:t>------</a:t>
+            </a:r>
+            <a:r>
+              <a:rPr lang="zh-CN" altLang="en-US" dirty="0" smtClean="0"/>
+              <a:t>类似</a:t>
+            </a:r>
+            <a:r>
+              <a:rPr lang="en-US" altLang="zh-CN" dirty="0" err="1" smtClean="0"/>
+              <a:t>messageQueue</a:t>
+            </a:r>
+            <a:r>
+              <a:rPr lang="en-US" altLang="zh-CN" dirty="0" smtClean="0"/>
+              <a:t>    </a:t>
+            </a:r>
+          </a:p>
+          <a:p>
+            <a:r>
+              <a:rPr lang="en-US" altLang="zh-CN" dirty="0"/>
+              <a:t> </a:t>
+            </a:r>
+            <a:r>
+              <a:rPr lang="en-US" altLang="zh-CN" dirty="0" smtClean="0"/>
+              <a:t>      3.BC_ENTER_LOOPER</a:t>
+            </a:r>
+            <a:r>
+              <a:rPr lang="zh-CN" altLang="en-US" dirty="0" smtClean="0"/>
+              <a:t>命令</a:t>
+            </a:r>
+            <a:endParaRPr lang="en-US" altLang="zh-CN" dirty="0" smtClean="0"/>
+          </a:p>
+          <a:p>
+            <a:r>
+              <a:rPr lang="en-US" altLang="zh-CN" dirty="0"/>
+              <a:t> </a:t>
+            </a:r>
+            <a:r>
+              <a:rPr lang="en-US" altLang="zh-CN" dirty="0" smtClean="0"/>
+              <a:t>               1.</a:t>
+            </a:r>
+            <a:r>
+              <a:rPr lang="zh-CN" altLang="en-US" dirty="0" smtClean="0"/>
+              <a:t>设置状态为</a:t>
+            </a:r>
+            <a:r>
+              <a:rPr lang="en-US" altLang="zh-CN" dirty="0" err="1" smtClean="0"/>
+              <a:t>Looper</a:t>
+            </a:r>
+            <a:endParaRPr lang="en-US" altLang="zh-CN" dirty="0" smtClean="0"/>
+          </a:p>
+          <a:p>
+            <a:r>
+              <a:rPr lang="en-US" altLang="zh-CN" dirty="0"/>
+              <a:t> </a:t>
+            </a:r>
+            <a:r>
+              <a:rPr lang="en-US" altLang="zh-CN" dirty="0" smtClean="0"/>
+              <a:t>               2.</a:t>
+            </a:r>
+            <a:r>
+              <a:rPr lang="zh-CN" altLang="en-US" dirty="0" smtClean="0"/>
+              <a:t>去读数据：</a:t>
+            </a:r>
+            <a:r>
+              <a:rPr lang="en-US" altLang="zh-CN" dirty="0" err="1" smtClean="0"/>
+              <a:t>binder_thread_read</a:t>
+            </a:r>
+            <a:r>
+              <a:rPr lang="en-US" altLang="zh-CN" dirty="0" smtClean="0"/>
+              <a:t>:</a:t>
+            </a:r>
+          </a:p>
+          <a:p>
+            <a:r>
+              <a:rPr lang="en-US" altLang="zh-CN" dirty="0" smtClean="0"/>
+              <a:t>ret = </a:t>
+            </a:r>
+            <a:r>
+              <a:rPr lang="en-US" altLang="zh-CN" dirty="0" err="1" smtClean="0"/>
+              <a:t>wait_event_freezable_exclusive</a:t>
+            </a:r>
+            <a:r>
+              <a:rPr lang="en-US" altLang="zh-CN" dirty="0" smtClean="0"/>
+              <a:t>(</a:t>
+            </a:r>
+            <a:r>
+              <a:rPr lang="en-US" altLang="zh-CN" dirty="0" err="1" smtClean="0"/>
+              <a:t>proc</a:t>
+            </a:r>
+            <a:r>
+              <a:rPr lang="en-US" altLang="zh-CN" dirty="0" smtClean="0"/>
+              <a:t>-&gt;wait, </a:t>
+            </a:r>
+            <a:r>
+              <a:rPr lang="en-US" altLang="zh-CN" dirty="0" err="1" smtClean="0"/>
+              <a:t>binder_has_proc_work</a:t>
+            </a:r>
+            <a:r>
+              <a:rPr lang="en-US" altLang="zh-CN" dirty="0" smtClean="0"/>
+              <a:t>(</a:t>
+            </a:r>
+            <a:r>
+              <a:rPr lang="en-US" altLang="zh-CN" dirty="0" err="1" smtClean="0"/>
+              <a:t>proc</a:t>
+            </a:r>
+            <a:r>
+              <a:rPr lang="en-US" altLang="zh-CN" dirty="0" smtClean="0"/>
+              <a:t>, thread));</a:t>
+            </a:r>
+            <a:r>
+              <a:rPr lang="zh-CN" altLang="en-US" dirty="0" smtClean="0"/>
+              <a:t>进入等待</a:t>
+            </a:r>
+            <a:endParaRPr lang="en-US" altLang="zh-CN" dirty="0"/>
+          </a:p>
+          <a:p>
+            <a:endParaRPr lang="zh-CN" altLang="en-US" dirty="0"/>
+          </a:p>
+        </p:txBody>
+      </p:sp>
       <p:sp>
         <p:nvSpPr>
           <p:cNvPr id="5" name="文本框 4"/>
@@ -4382,19 +3839,7 @@
                   </a:outerShdw>
                 </a:effectLst>
               </a:rPr>
-              <a:t>Binder</a:t>
-            </a:r>
-            <a:r>
-              <a:rPr lang="zh-CN" altLang="en-US" sz="2400" dirty="0" smtClean="0">
-                <a:effectLst>
-                  <a:outerShdw blurRad="38100" dist="38100" dir="2700000" algn="tl">
-                    <a:srgbClr val="000000">
-                      <a:alpha val="43137"/>
-                    </a:srgbClr>
-                  </a:outerShdw>
-                </a:effectLst>
-              </a:rPr>
-              <a:t>传输数据</a:t>
+              <a:t>MMAP</a:t>
             </a:r>
             <a:endParaRPr lang="zh-CN" altLang="en-US" sz="2400" dirty="0">
               <a:effectLst>
@@ -4411,7 +3856,2092 @@
     </p:spTree>
     <p:extLst>
       <p:ext uri="{BB962C8B-B14F-4D97-AF65-F5344CB8AC3E}">
-        <p14:creationId xmlns:p14="http://schemas.microsoft.com/office/powerpoint/2010/main" val="854586975"/>
+        <p14:creationId xmlns:p14="http://schemas.microsoft.com/office/powerpoint/2010/main" val="2760762230"/>
+      </p:ext>
+    </p:extLst>
+  </p:cSld>
+  <p:clrMapOvr>
+    <a:masterClrMapping/>
+  </p:clrMapOvr>
+</p:sld>
+</file>
+
+<file path=ppt/slides/slide3.xml><?xml version="1.0" encoding="utf-8"?>
+<p:sld xmlns:a="http://schemas.openxmlformats.org/drawingml/2006/main" xmlns:r="http://schemas.openxmlformats.org/officeDocument/2006/relationships" xmlns:p="http://schemas.openxmlformats.org/presentationml/2006/main">
+  <p:cSld>
+    <p:spTree>
+      <p:nvGrpSpPr>
+        <p:cNvPr id="1" name=""/>
+        <p:cNvGrpSpPr/>
+        <p:nvPr/>
+      </p:nvGrpSpPr>
+      <p:grpSpPr>
+        <a:xfrm>
+          <a:off x="0" y="0"/>
+          <a:ext cx="0" cy="0"/>
+          <a:chOff x="0" y="0"/>
+          <a:chExt cx="0" cy="0"/>
+        </a:xfrm>
+      </p:grpSpPr>
+      <p:sp>
+        <p:nvSpPr>
+          <p:cNvPr id="4" name="文本框 3"/>
+          <p:cNvSpPr txBox="1"/>
+          <p:nvPr/>
+        </p:nvSpPr>
+        <p:spPr>
+          <a:xfrm>
+            <a:off x="535021" y="311284"/>
+            <a:ext cx="8404698" cy="6740307"/>
+          </a:xfrm>
+          <a:prstGeom prst="rect">
+            <a:avLst/>
+          </a:prstGeom>
+          <a:noFill/>
+        </p:spPr>
+        <p:txBody>
+          <a:bodyPr wrap="square" rtlCol="0">
+            <a:spAutoFit/>
+          </a:bodyPr>
+          <a:lstStyle/>
+          <a:p>
+            <a:r>
+              <a:rPr lang="en-US" altLang="zh-CN" dirty="0" smtClean="0"/>
+              <a:t>Sm</a:t>
+            </a:r>
+            <a:r>
+              <a:rPr lang="zh-CN" altLang="en-US" dirty="0" smtClean="0"/>
+              <a:t>获取</a:t>
+            </a:r>
+            <a:r>
+              <a:rPr lang="en-US" altLang="zh-CN" dirty="0" smtClean="0"/>
+              <a:t>----native</a:t>
+            </a:r>
+            <a:r>
+              <a:rPr lang="zh-CN" altLang="en-US" dirty="0" smtClean="0"/>
+              <a:t>的服务注册和获取的时候都会走这个</a:t>
+            </a:r>
+            <a:r>
+              <a:rPr lang="en-US" altLang="zh-CN" dirty="0" smtClean="0"/>
+              <a:t>---</a:t>
+            </a:r>
+          </a:p>
+          <a:p>
+            <a:r>
+              <a:rPr lang="zh-CN" altLang="en-US" dirty="0" smtClean="0"/>
+              <a:t>获取</a:t>
+            </a:r>
+            <a:r>
+              <a:rPr lang="en-US" altLang="zh-CN" dirty="0" err="1" smtClean="0"/>
+              <a:t>sm</a:t>
+            </a:r>
+            <a:r>
+              <a:rPr lang="zh-CN" altLang="en-US" dirty="0" smtClean="0"/>
+              <a:t>的情况；</a:t>
+            </a:r>
+            <a:endParaRPr lang="en-US" altLang="zh-CN" dirty="0" smtClean="0"/>
+          </a:p>
+          <a:p>
+            <a:r>
+              <a:rPr lang="en-US" altLang="zh-CN" dirty="0"/>
+              <a:t> </a:t>
+            </a:r>
+            <a:r>
+              <a:rPr lang="en-US" altLang="zh-CN" dirty="0" smtClean="0"/>
+              <a:t>       1.</a:t>
+            </a:r>
+            <a:r>
+              <a:rPr lang="zh-CN" altLang="en-US" dirty="0" smtClean="0"/>
+              <a:t>注册服务到</a:t>
+            </a:r>
+            <a:r>
+              <a:rPr lang="en-US" altLang="zh-CN" dirty="0" err="1" smtClean="0"/>
+              <a:t>sm</a:t>
+            </a:r>
+            <a:r>
+              <a:rPr lang="en-US" altLang="zh-CN" dirty="0" smtClean="0"/>
+              <a:t>-----native</a:t>
+            </a:r>
+          </a:p>
+          <a:p>
+            <a:r>
+              <a:rPr lang="en-US" altLang="zh-CN" dirty="0"/>
+              <a:t> </a:t>
+            </a:r>
+            <a:r>
+              <a:rPr lang="en-US" altLang="zh-CN" dirty="0" smtClean="0"/>
+              <a:t>       2.</a:t>
+            </a:r>
+            <a:r>
+              <a:rPr lang="zh-CN" altLang="en-US" dirty="0" smtClean="0"/>
+              <a:t>通过</a:t>
+            </a:r>
+            <a:r>
+              <a:rPr lang="en-US" altLang="zh-CN" dirty="0" err="1" smtClean="0"/>
+              <a:t>sm</a:t>
+            </a:r>
+            <a:r>
+              <a:rPr lang="zh-CN" altLang="en-US" dirty="0" smtClean="0"/>
+              <a:t>去获取服务</a:t>
+            </a:r>
+            <a:r>
+              <a:rPr lang="en-US" altLang="zh-CN" dirty="0" smtClean="0"/>
+              <a:t>----------java</a:t>
+            </a:r>
+            <a:r>
+              <a:rPr lang="zh-CN" altLang="en-US" dirty="0" smtClean="0"/>
+              <a:t>层</a:t>
+            </a:r>
+            <a:endParaRPr lang="en-US" altLang="zh-CN" dirty="0" smtClean="0"/>
+          </a:p>
+          <a:p>
+            <a:endParaRPr lang="en-US" altLang="zh-CN" dirty="0"/>
+          </a:p>
+          <a:p>
+            <a:r>
+              <a:rPr lang="en-US" altLang="zh-CN" dirty="0" smtClean="0"/>
+              <a:t>        </a:t>
+            </a:r>
+            <a:r>
+              <a:rPr lang="zh-CN" altLang="en-US" dirty="0" smtClean="0"/>
+              <a:t>也是服务端</a:t>
+            </a:r>
+            <a:endParaRPr lang="en-US" altLang="zh-CN" dirty="0" smtClean="0"/>
+          </a:p>
+          <a:p>
+            <a:r>
+              <a:rPr lang="en-US" altLang="zh-CN" dirty="0"/>
+              <a:t> </a:t>
+            </a:r>
+            <a:r>
+              <a:rPr lang="en-US" altLang="zh-CN" dirty="0" smtClean="0"/>
+              <a:t>        1.ProcessState::self()</a:t>
+            </a:r>
+            <a:r>
+              <a:rPr lang="en-US" altLang="zh-CN" dirty="0" smtClean="0">
+                <a:sym typeface="Wingdings" panose="05000000000000000000" pitchFamily="2" charset="2"/>
+              </a:rPr>
+              <a:t> </a:t>
+            </a:r>
+            <a:r>
+              <a:rPr lang="en-US" altLang="zh-CN" dirty="0" err="1" smtClean="0">
+                <a:sym typeface="Wingdings" panose="05000000000000000000" pitchFamily="2" charset="2"/>
+              </a:rPr>
+              <a:t>getContextObject</a:t>
+            </a:r>
+            <a:r>
+              <a:rPr lang="en-US" altLang="zh-CN" dirty="0" smtClean="0">
+                <a:sym typeface="Wingdings" panose="05000000000000000000" pitchFamily="2" charset="2"/>
+              </a:rPr>
+              <a:t>(NULL)</a:t>
+            </a:r>
+          </a:p>
+          <a:p>
+            <a:r>
+              <a:rPr lang="en-US" altLang="zh-CN" dirty="0" smtClean="0">
+                <a:sym typeface="Wingdings" panose="05000000000000000000" pitchFamily="2" charset="2"/>
+              </a:rPr>
+              <a:t>             </a:t>
+            </a:r>
+            <a:r>
+              <a:rPr lang="en-US" altLang="zh-CN" dirty="0" smtClean="0"/>
+              <a:t>1.ProcessState::self()</a:t>
+            </a:r>
+            <a:endParaRPr lang="en-US" altLang="zh-CN" dirty="0">
+              <a:sym typeface="Wingdings" panose="05000000000000000000" pitchFamily="2" charset="2"/>
+            </a:endParaRPr>
+          </a:p>
+          <a:p>
+            <a:r>
+              <a:rPr lang="en-US" altLang="zh-CN" dirty="0" smtClean="0">
+                <a:sym typeface="Wingdings" panose="05000000000000000000" pitchFamily="2" charset="2"/>
+              </a:rPr>
+              <a:t>                   1.</a:t>
+            </a:r>
+            <a:r>
+              <a:rPr lang="zh-CN" altLang="en-US" dirty="0" smtClean="0">
+                <a:sym typeface="Wingdings" panose="05000000000000000000" pitchFamily="2" charset="2"/>
+              </a:rPr>
+              <a:t>打开驱动：</a:t>
+            </a:r>
+            <a:r>
+              <a:rPr lang="en-US" altLang="zh-CN" dirty="0" smtClean="0">
+                <a:sym typeface="Wingdings" panose="05000000000000000000" pitchFamily="2" charset="2"/>
+              </a:rPr>
+              <a:t>binder </a:t>
+            </a:r>
+          </a:p>
+          <a:p>
+            <a:r>
+              <a:rPr lang="en-US" altLang="zh-CN" dirty="0">
+                <a:sym typeface="Wingdings" panose="05000000000000000000" pitchFamily="2" charset="2"/>
+              </a:rPr>
+              <a:t> </a:t>
+            </a:r>
+            <a:r>
+              <a:rPr lang="en-US" altLang="zh-CN" dirty="0" smtClean="0">
+                <a:sym typeface="Wingdings" panose="05000000000000000000" pitchFamily="2" charset="2"/>
+              </a:rPr>
+              <a:t>                  2.</a:t>
+            </a:r>
+            <a:r>
+              <a:rPr lang="zh-CN" altLang="en-US" dirty="0" smtClean="0">
+                <a:sym typeface="Wingdings" panose="05000000000000000000" pitchFamily="2" charset="2"/>
+              </a:rPr>
+              <a:t>设置线程最大数目：</a:t>
+            </a:r>
+            <a:r>
+              <a:rPr lang="en-US" altLang="zh-CN" dirty="0" smtClean="0">
+                <a:sym typeface="Wingdings" panose="05000000000000000000" pitchFamily="2" charset="2"/>
+              </a:rPr>
+              <a:t>15</a:t>
+            </a:r>
+            <a:r>
+              <a:rPr lang="zh-CN" altLang="en-US" dirty="0" smtClean="0">
+                <a:sym typeface="Wingdings" panose="05000000000000000000" pitchFamily="2" charset="2"/>
+              </a:rPr>
+              <a:t>个</a:t>
+            </a:r>
+            <a:endParaRPr lang="en-US" altLang="zh-CN" dirty="0" smtClean="0">
+              <a:sym typeface="Wingdings" panose="05000000000000000000" pitchFamily="2" charset="2"/>
+            </a:endParaRPr>
+          </a:p>
+          <a:p>
+            <a:r>
+              <a:rPr lang="en-US" altLang="zh-CN" dirty="0">
+                <a:sym typeface="Wingdings" panose="05000000000000000000" pitchFamily="2" charset="2"/>
+              </a:rPr>
+              <a:t> </a:t>
+            </a:r>
+            <a:r>
+              <a:rPr lang="en-US" altLang="zh-CN" dirty="0" smtClean="0">
+                <a:sym typeface="Wingdings" panose="05000000000000000000" pitchFamily="2" charset="2"/>
+              </a:rPr>
+              <a:t>                  3.mmap----</a:t>
+            </a:r>
+            <a:r>
+              <a:rPr lang="zh-CN" altLang="en-US" dirty="0" smtClean="0">
+                <a:sym typeface="Wingdings" panose="05000000000000000000" pitchFamily="2" charset="2"/>
+              </a:rPr>
+              <a:t>设置共享内存大小</a:t>
+            </a:r>
+            <a:endParaRPr lang="en-US" altLang="zh-CN" dirty="0" smtClean="0">
+              <a:sym typeface="Wingdings" panose="05000000000000000000" pitchFamily="2" charset="2"/>
+            </a:endParaRPr>
+          </a:p>
+          <a:p>
+            <a:r>
+              <a:rPr lang="en-US" altLang="zh-CN" dirty="0">
+                <a:sym typeface="Wingdings" panose="05000000000000000000" pitchFamily="2" charset="2"/>
+              </a:rPr>
+              <a:t> </a:t>
+            </a:r>
+            <a:r>
+              <a:rPr lang="en-US" altLang="zh-CN" dirty="0" smtClean="0">
+                <a:sym typeface="Wingdings" panose="05000000000000000000" pitchFamily="2" charset="2"/>
+              </a:rPr>
+              <a:t>             2. </a:t>
+            </a:r>
+            <a:r>
+              <a:rPr lang="en-US" altLang="zh-CN" dirty="0" err="1" smtClean="0">
+                <a:sym typeface="Wingdings" panose="05000000000000000000" pitchFamily="2" charset="2"/>
+              </a:rPr>
+              <a:t>getContextObject</a:t>
+            </a:r>
+            <a:r>
+              <a:rPr lang="en-US" altLang="zh-CN" dirty="0" smtClean="0">
+                <a:sym typeface="Wingdings" panose="05000000000000000000" pitchFamily="2" charset="2"/>
+              </a:rPr>
+              <a:t>(NULL)</a:t>
+            </a:r>
+          </a:p>
+          <a:p>
+            <a:r>
+              <a:rPr lang="en-US" altLang="zh-CN" dirty="0">
+                <a:sym typeface="Wingdings" panose="05000000000000000000" pitchFamily="2" charset="2"/>
+              </a:rPr>
+              <a:t> </a:t>
+            </a:r>
+            <a:r>
+              <a:rPr lang="en-US" altLang="zh-CN" dirty="0" smtClean="0">
+                <a:sym typeface="Wingdings" panose="05000000000000000000" pitchFamily="2" charset="2"/>
+              </a:rPr>
+              <a:t>                   1.</a:t>
+            </a:r>
+            <a:r>
+              <a:rPr lang="zh-CN" altLang="en-US" dirty="0" smtClean="0">
+                <a:sym typeface="Wingdings" panose="05000000000000000000" pitchFamily="2" charset="2"/>
+              </a:rPr>
+              <a:t>创建一个</a:t>
+            </a:r>
+            <a:r>
+              <a:rPr lang="en-US" altLang="zh-CN" dirty="0" err="1" smtClean="0">
+                <a:sym typeface="Wingdings" panose="05000000000000000000" pitchFamily="2" charset="2"/>
+              </a:rPr>
+              <a:t>BpBinder</a:t>
+            </a:r>
+            <a:r>
+              <a:rPr lang="en-US" altLang="zh-CN" dirty="0" smtClean="0">
+                <a:sym typeface="Wingdings" panose="05000000000000000000" pitchFamily="2" charset="2"/>
+              </a:rPr>
+              <a:t>() -----</a:t>
+            </a:r>
+            <a:r>
+              <a:rPr lang="zh-CN" altLang="en-US" dirty="0" smtClean="0">
+                <a:sym typeface="Wingdings" panose="05000000000000000000" pitchFamily="2" charset="2"/>
+              </a:rPr>
+              <a:t>客户端的对象</a:t>
+            </a:r>
+            <a:endParaRPr lang="en-US" altLang="zh-CN" dirty="0" smtClean="0">
+              <a:sym typeface="Wingdings" panose="05000000000000000000" pitchFamily="2" charset="2"/>
+            </a:endParaRPr>
+          </a:p>
+          <a:p>
+            <a:r>
+              <a:rPr lang="en-US" altLang="zh-CN" dirty="0">
+                <a:sym typeface="Wingdings" panose="05000000000000000000" pitchFamily="2" charset="2"/>
+              </a:rPr>
+              <a:t> </a:t>
+            </a:r>
+            <a:r>
+              <a:rPr lang="en-US" altLang="zh-CN" dirty="0" smtClean="0">
+                <a:sym typeface="Wingdings" panose="05000000000000000000" pitchFamily="2" charset="2"/>
+              </a:rPr>
+              <a:t>        2.interface_cast</a:t>
+            </a:r>
+          </a:p>
+          <a:p>
+            <a:r>
+              <a:rPr lang="en-US" altLang="zh-CN" dirty="0">
+                <a:sym typeface="Wingdings" panose="05000000000000000000" pitchFamily="2" charset="2"/>
+              </a:rPr>
+              <a:t> </a:t>
+            </a:r>
+            <a:r>
+              <a:rPr lang="en-US" altLang="zh-CN" dirty="0" smtClean="0">
+                <a:sym typeface="Wingdings" panose="05000000000000000000" pitchFamily="2" charset="2"/>
+              </a:rPr>
+              <a:t>               1.BpServiceManager(new </a:t>
+            </a:r>
+            <a:r>
+              <a:rPr lang="en-US" altLang="zh-CN" dirty="0" err="1" smtClean="0">
+                <a:sym typeface="Wingdings" panose="05000000000000000000" pitchFamily="2" charset="2"/>
+              </a:rPr>
+              <a:t>BpBinder</a:t>
+            </a:r>
+            <a:r>
+              <a:rPr lang="en-US" altLang="zh-CN" dirty="0" smtClean="0">
+                <a:sym typeface="Wingdings" panose="05000000000000000000" pitchFamily="2" charset="2"/>
+              </a:rPr>
+              <a:t>)====new Proxy(binder==</a:t>
+            </a:r>
+            <a:r>
+              <a:rPr lang="en-US" altLang="zh-CN" dirty="0" err="1" smtClean="0">
+                <a:sym typeface="Wingdings" panose="05000000000000000000" pitchFamily="2" charset="2"/>
+              </a:rPr>
+              <a:t>BinderProxy</a:t>
+            </a:r>
+            <a:r>
+              <a:rPr lang="en-US" altLang="zh-CN" dirty="0" smtClean="0">
+                <a:sym typeface="Wingdings" panose="05000000000000000000" pitchFamily="2" charset="2"/>
+              </a:rPr>
+              <a:t>)</a:t>
+            </a:r>
+          </a:p>
+          <a:p>
+            <a:r>
+              <a:rPr lang="en-US" altLang="zh-CN" dirty="0">
+                <a:sym typeface="Wingdings" panose="05000000000000000000" pitchFamily="2" charset="2"/>
+              </a:rPr>
+              <a:t> </a:t>
+            </a:r>
+            <a:r>
+              <a:rPr lang="en-US" altLang="zh-CN" dirty="0" smtClean="0">
+                <a:sym typeface="Wingdings" panose="05000000000000000000" pitchFamily="2" charset="2"/>
+              </a:rPr>
+              <a:t>               2.remote.transact-----</a:t>
+            </a:r>
+            <a:r>
+              <a:rPr lang="zh-CN" altLang="en-US" dirty="0" smtClean="0">
+                <a:sym typeface="Wingdings" panose="05000000000000000000" pitchFamily="2" charset="2"/>
+              </a:rPr>
+              <a:t>远程调用</a:t>
+            </a:r>
+            <a:endParaRPr lang="en-US" altLang="zh-CN" dirty="0" smtClean="0">
+              <a:sym typeface="Wingdings" panose="05000000000000000000" pitchFamily="2" charset="2"/>
+            </a:endParaRPr>
+          </a:p>
+          <a:p>
+            <a:r>
+              <a:rPr lang="en-US" altLang="zh-CN" dirty="0">
+                <a:sym typeface="Wingdings" panose="05000000000000000000" pitchFamily="2" charset="2"/>
+              </a:rPr>
+              <a:t> </a:t>
+            </a:r>
+            <a:r>
+              <a:rPr lang="en-US" altLang="zh-CN" dirty="0" smtClean="0">
+                <a:sym typeface="Wingdings" panose="05000000000000000000" pitchFamily="2" charset="2"/>
+              </a:rPr>
+              <a:t>               3.remote==</a:t>
+            </a:r>
+            <a:r>
+              <a:rPr lang="en-US" altLang="zh-CN" dirty="0" err="1" smtClean="0">
+                <a:sym typeface="Wingdings" panose="05000000000000000000" pitchFamily="2" charset="2"/>
+              </a:rPr>
+              <a:t>BpBinder</a:t>
+            </a:r>
+            <a:endParaRPr lang="en-US" altLang="zh-CN" dirty="0" smtClean="0">
+              <a:sym typeface="Wingdings" panose="05000000000000000000" pitchFamily="2" charset="2"/>
+            </a:endParaRPr>
+          </a:p>
+          <a:p>
+            <a:endParaRPr lang="en-US" altLang="zh-CN" dirty="0">
+              <a:sym typeface="Wingdings" panose="05000000000000000000" pitchFamily="2" charset="2"/>
+            </a:endParaRPr>
+          </a:p>
+          <a:p>
+            <a:r>
+              <a:rPr lang="en-US" altLang="zh-CN" dirty="0" smtClean="0">
+                <a:sym typeface="Wingdings" panose="05000000000000000000" pitchFamily="2" charset="2"/>
+              </a:rPr>
+              <a:t>         3.java</a:t>
+            </a:r>
+            <a:r>
+              <a:rPr lang="zh-CN" altLang="en-US" dirty="0" smtClean="0">
+                <a:sym typeface="Wingdings" panose="05000000000000000000" pitchFamily="2" charset="2"/>
+              </a:rPr>
+              <a:t>层</a:t>
+            </a:r>
+            <a:endParaRPr lang="en-US" altLang="zh-CN" dirty="0" smtClean="0">
+              <a:sym typeface="Wingdings" panose="05000000000000000000" pitchFamily="2" charset="2"/>
+            </a:endParaRPr>
+          </a:p>
+          <a:p>
+            <a:r>
+              <a:rPr lang="en-US" altLang="zh-CN" dirty="0" smtClean="0">
+                <a:sym typeface="Wingdings" panose="05000000000000000000" pitchFamily="2" charset="2"/>
+              </a:rPr>
+              <a:t>                 1.new </a:t>
+            </a:r>
+            <a:r>
+              <a:rPr lang="en-US" altLang="zh-CN" dirty="0" err="1" smtClean="0">
+                <a:sym typeface="Wingdings" panose="05000000000000000000" pitchFamily="2" charset="2"/>
+              </a:rPr>
+              <a:t>ServiceManagerProxy</a:t>
+            </a:r>
+            <a:r>
+              <a:rPr lang="en-US" altLang="zh-CN" dirty="0" smtClean="0">
+                <a:sym typeface="Wingdings" panose="05000000000000000000" pitchFamily="2" charset="2"/>
+              </a:rPr>
+              <a:t>(new </a:t>
+            </a:r>
+            <a:r>
+              <a:rPr lang="en-US" altLang="zh-CN" dirty="0" err="1" smtClean="0">
+                <a:sym typeface="Wingdings" panose="05000000000000000000" pitchFamily="2" charset="2"/>
+              </a:rPr>
+              <a:t>BinderProxy</a:t>
+            </a:r>
+            <a:r>
+              <a:rPr lang="en-US" altLang="zh-CN" dirty="0" smtClean="0">
+                <a:sym typeface="Wingdings" panose="05000000000000000000" pitchFamily="2" charset="2"/>
+              </a:rPr>
+              <a:t>)</a:t>
+            </a:r>
+          </a:p>
+          <a:p>
+            <a:r>
+              <a:rPr lang="en-US" altLang="zh-CN" dirty="0">
+                <a:sym typeface="Wingdings" panose="05000000000000000000" pitchFamily="2" charset="2"/>
+              </a:rPr>
+              <a:t> </a:t>
+            </a:r>
+            <a:r>
+              <a:rPr lang="en-US" altLang="zh-CN" dirty="0" smtClean="0">
+                <a:sym typeface="Wingdings" panose="05000000000000000000" pitchFamily="2" charset="2"/>
+              </a:rPr>
+              <a:t>                2.mRemote==</a:t>
+            </a:r>
+            <a:r>
+              <a:rPr lang="en-US" altLang="zh-CN" dirty="0" err="1" smtClean="0">
+                <a:sym typeface="Wingdings" panose="05000000000000000000" pitchFamily="2" charset="2"/>
+              </a:rPr>
+              <a:t>BinderProxy</a:t>
+            </a:r>
+            <a:endParaRPr lang="en-US" altLang="zh-CN" dirty="0" smtClean="0">
+              <a:sym typeface="Wingdings" panose="05000000000000000000" pitchFamily="2" charset="2"/>
+            </a:endParaRPr>
+          </a:p>
+          <a:p>
+            <a:r>
+              <a:rPr lang="en-US" altLang="zh-CN" dirty="0">
+                <a:sym typeface="Wingdings" panose="05000000000000000000" pitchFamily="2" charset="2"/>
+              </a:rPr>
+              <a:t> </a:t>
+            </a:r>
+            <a:r>
+              <a:rPr lang="en-US" altLang="zh-CN" dirty="0" smtClean="0">
+                <a:sym typeface="Wingdings" panose="05000000000000000000" pitchFamily="2" charset="2"/>
+              </a:rPr>
+              <a:t>                3.BinderProxy.mObject==</a:t>
+            </a:r>
+            <a:r>
+              <a:rPr lang="en-US" altLang="zh-CN" dirty="0" err="1" smtClean="0">
+                <a:sym typeface="Wingdings" panose="05000000000000000000" pitchFamily="2" charset="2"/>
+              </a:rPr>
+              <a:t>BpBinder</a:t>
+            </a:r>
+            <a:endParaRPr lang="en-US" altLang="zh-CN" dirty="0" smtClean="0">
+              <a:sym typeface="Wingdings" panose="05000000000000000000" pitchFamily="2" charset="2"/>
+            </a:endParaRPr>
+          </a:p>
+          <a:p>
+            <a:r>
+              <a:rPr lang="en-US" altLang="zh-CN" dirty="0">
+                <a:sym typeface="Wingdings" panose="05000000000000000000" pitchFamily="2" charset="2"/>
+              </a:rPr>
+              <a:t> </a:t>
+            </a:r>
+            <a:r>
+              <a:rPr lang="en-US" altLang="zh-CN" dirty="0" smtClean="0">
+                <a:sym typeface="Wingdings" panose="05000000000000000000" pitchFamily="2" charset="2"/>
+              </a:rPr>
+              <a:t>                4.mRemote.transact==</a:t>
+            </a:r>
+            <a:r>
+              <a:rPr lang="en-US" altLang="zh-CN" dirty="0" err="1" smtClean="0">
+                <a:sym typeface="Wingdings" panose="05000000000000000000" pitchFamily="2" charset="2"/>
+              </a:rPr>
+              <a:t>BpBinder.transact</a:t>
+            </a:r>
+            <a:r>
+              <a:rPr lang="en-US" altLang="zh-CN" dirty="0" smtClean="0">
+                <a:sym typeface="Wingdings" panose="05000000000000000000" pitchFamily="2" charset="2"/>
+              </a:rPr>
+              <a:t> </a:t>
+            </a:r>
+          </a:p>
+          <a:p>
+            <a:r>
+              <a:rPr lang="en-US" altLang="zh-CN" dirty="0">
+                <a:sym typeface="Wingdings" panose="05000000000000000000" pitchFamily="2" charset="2"/>
+              </a:rPr>
+              <a:t> </a:t>
+            </a:r>
+            <a:r>
+              <a:rPr lang="en-US" altLang="zh-CN" dirty="0" smtClean="0">
+                <a:sym typeface="Wingdings" panose="05000000000000000000" pitchFamily="2" charset="2"/>
+              </a:rPr>
+              <a:t>                    </a:t>
+            </a:r>
+            <a:endParaRPr lang="zh-CN" altLang="en-US" dirty="0"/>
+          </a:p>
+        </p:txBody>
+      </p:sp>
+      <p:sp>
+        <p:nvSpPr>
+          <p:cNvPr id="5" name="文本框 4"/>
+          <p:cNvSpPr txBox="1"/>
+          <p:nvPr/>
+        </p:nvSpPr>
+        <p:spPr>
+          <a:xfrm>
+            <a:off x="8939719" y="603115"/>
+            <a:ext cx="3122579" cy="1477328"/>
+          </a:xfrm>
+          <a:prstGeom prst="rect">
+            <a:avLst/>
+          </a:prstGeom>
+          <a:noFill/>
+        </p:spPr>
+        <p:txBody>
+          <a:bodyPr wrap="square" rtlCol="0">
+            <a:spAutoFit/>
+          </a:bodyPr>
+          <a:lstStyle/>
+          <a:p>
+            <a:r>
+              <a:rPr lang="en-US" altLang="zh-CN" dirty="0" err="1" smtClean="0"/>
+              <a:t>BbBinder</a:t>
+            </a:r>
+            <a:r>
+              <a:rPr lang="zh-CN" altLang="en-US" dirty="0" smtClean="0"/>
+              <a:t>创建的服务器的</a:t>
+            </a:r>
+            <a:r>
+              <a:rPr lang="en-US" altLang="zh-CN" dirty="0" smtClean="0"/>
+              <a:t>SM</a:t>
+            </a:r>
+            <a:r>
+              <a:rPr lang="zh-CN" altLang="en-US" dirty="0" smtClean="0"/>
+              <a:t>对象。</a:t>
+            </a:r>
+            <a:endParaRPr lang="en-US" altLang="zh-CN" dirty="0" smtClean="0"/>
+          </a:p>
+          <a:p>
+            <a:r>
+              <a:rPr lang="en-US" altLang="zh-CN" dirty="0" err="1" smtClean="0"/>
+              <a:t>BpBinder</a:t>
+            </a:r>
+            <a:r>
+              <a:rPr lang="zh-CN" altLang="en-US" dirty="0" smtClean="0"/>
+              <a:t>是客服端的类似与</a:t>
+            </a:r>
+            <a:r>
+              <a:rPr lang="en-US" altLang="zh-CN" dirty="0" err="1" smtClean="0"/>
+              <a:t>BbBinder</a:t>
+            </a:r>
+            <a:r>
+              <a:rPr lang="zh-CN" altLang="en-US" dirty="0" smtClean="0"/>
+              <a:t>的远程代理对象。</a:t>
+            </a:r>
+            <a:endParaRPr lang="en-US" altLang="zh-CN" dirty="0" smtClean="0"/>
+          </a:p>
+          <a:p>
+            <a:r>
+              <a:rPr lang="en-US" altLang="zh-CN" dirty="0" err="1" smtClean="0"/>
+              <a:t>BbBinder</a:t>
+            </a:r>
+            <a:r>
+              <a:rPr lang="zh-CN" altLang="en-US" dirty="0" smtClean="0"/>
+              <a:t>实例</a:t>
+            </a:r>
+            <a:r>
+              <a:rPr lang="en-US" altLang="zh-CN" dirty="0" smtClean="0"/>
+              <a:t>---</a:t>
+            </a:r>
+            <a:r>
+              <a:rPr lang="en-US" altLang="zh-CN" dirty="0" err="1" smtClean="0"/>
+              <a:t>BpBinder</a:t>
+            </a:r>
+            <a:r>
+              <a:rPr lang="zh-CN" altLang="en-US" dirty="0" smtClean="0"/>
+              <a:t>映射</a:t>
+            </a:r>
+            <a:endParaRPr lang="zh-CN" altLang="en-US" dirty="0"/>
+          </a:p>
+        </p:txBody>
+      </p:sp>
+    </p:spTree>
+    <p:extLst>
+      <p:ext uri="{BB962C8B-B14F-4D97-AF65-F5344CB8AC3E}">
+        <p14:creationId xmlns:p14="http://schemas.microsoft.com/office/powerpoint/2010/main" val="3000219238"/>
+      </p:ext>
+    </p:extLst>
+  </p:cSld>
+  <p:clrMapOvr>
+    <a:masterClrMapping/>
+  </p:clrMapOvr>
+</p:sld>
+</file>
+
+<file path=ppt/slides/slide4.xml><?xml version="1.0" encoding="utf-8"?>
+<p:sld xmlns:a="http://schemas.openxmlformats.org/drawingml/2006/main" xmlns:r="http://schemas.openxmlformats.org/officeDocument/2006/relationships" xmlns:p="http://schemas.openxmlformats.org/presentationml/2006/main">
+  <p:cSld>
+    <p:spTree>
+      <p:nvGrpSpPr>
+        <p:cNvPr id="1" name=""/>
+        <p:cNvGrpSpPr/>
+        <p:nvPr/>
+      </p:nvGrpSpPr>
+      <p:grpSpPr>
+        <a:xfrm>
+          <a:off x="0" y="0"/>
+          <a:ext cx="0" cy="0"/>
+          <a:chOff x="0" y="0"/>
+          <a:chExt cx="0" cy="0"/>
+        </a:xfrm>
+      </p:grpSpPr>
+      <p:sp>
+        <p:nvSpPr>
+          <p:cNvPr id="4" name="文本框 3"/>
+          <p:cNvSpPr txBox="1"/>
+          <p:nvPr/>
+        </p:nvSpPr>
+        <p:spPr>
+          <a:xfrm>
+            <a:off x="486382" y="0"/>
+            <a:ext cx="10136222" cy="7294305"/>
+          </a:xfrm>
+          <a:prstGeom prst="rect">
+            <a:avLst/>
+          </a:prstGeom>
+          <a:noFill/>
+        </p:spPr>
+        <p:txBody>
+          <a:bodyPr wrap="square" rtlCol="0">
+            <a:spAutoFit/>
+          </a:bodyPr>
+          <a:lstStyle/>
+          <a:p>
+            <a:r>
+              <a:rPr lang="zh-CN" altLang="en-US" dirty="0" smtClean="0"/>
+              <a:t>从</a:t>
+            </a:r>
+            <a:r>
+              <a:rPr lang="en-US" altLang="zh-CN" dirty="0" smtClean="0"/>
+              <a:t>java----AMS</a:t>
+            </a:r>
+          </a:p>
+          <a:p>
+            <a:r>
+              <a:rPr lang="en-US" altLang="zh-CN" dirty="0"/>
+              <a:t> </a:t>
+            </a:r>
+            <a:r>
+              <a:rPr lang="zh-CN" altLang="en-US" dirty="0" smtClean="0"/>
+              <a:t>如何注册到</a:t>
+            </a:r>
+            <a:r>
+              <a:rPr lang="en-US" altLang="zh-CN" dirty="0" smtClean="0"/>
+              <a:t>SM</a:t>
+            </a:r>
+            <a:r>
+              <a:rPr lang="zh-CN" altLang="en-US" dirty="0" smtClean="0"/>
+              <a:t>中</a:t>
+            </a:r>
+            <a:endParaRPr lang="en-US" altLang="zh-CN" dirty="0" smtClean="0"/>
+          </a:p>
+          <a:p>
+            <a:r>
+              <a:rPr lang="en-US" altLang="zh-CN" dirty="0"/>
+              <a:t> </a:t>
+            </a:r>
+            <a:r>
+              <a:rPr lang="en-US" altLang="zh-CN" dirty="0" err="1" smtClean="0"/>
+              <a:t>getIServiceManager</a:t>
+            </a:r>
+            <a:r>
+              <a:rPr lang="en-US" altLang="zh-CN" dirty="0" smtClean="0"/>
+              <a:t>().</a:t>
+            </a:r>
+            <a:r>
+              <a:rPr lang="en-US" altLang="zh-CN" dirty="0" err="1" smtClean="0"/>
+              <a:t>addService</a:t>
+            </a:r>
+            <a:r>
+              <a:rPr lang="en-US" altLang="zh-CN" dirty="0" smtClean="0"/>
+              <a:t>(</a:t>
+            </a:r>
+            <a:r>
+              <a:rPr lang="en-US" altLang="zh-CN" dirty="0" err="1" smtClean="0"/>
+              <a:t>name,service,false</a:t>
+            </a:r>
+            <a:r>
+              <a:rPr lang="en-US" altLang="zh-CN" dirty="0" smtClean="0"/>
+              <a:t>);</a:t>
+            </a:r>
+          </a:p>
+          <a:p>
+            <a:r>
+              <a:rPr lang="en-US" altLang="zh-CN" dirty="0"/>
+              <a:t> </a:t>
+            </a:r>
+            <a:r>
+              <a:rPr lang="en-US" altLang="zh-CN" dirty="0" smtClean="0"/>
+              <a:t>     </a:t>
+            </a:r>
+            <a:r>
+              <a:rPr lang="en-US" altLang="zh-CN" dirty="0" err="1" smtClean="0"/>
+              <a:t>getIServiceManger</a:t>
+            </a:r>
+            <a:r>
+              <a:rPr lang="en-US" altLang="zh-CN" dirty="0" smtClean="0"/>
+              <a:t>-----new </a:t>
+            </a:r>
+            <a:r>
+              <a:rPr lang="en-US" altLang="zh-CN" dirty="0" err="1" smtClean="0"/>
+              <a:t>ServiceManagerProxy</a:t>
+            </a:r>
+            <a:r>
+              <a:rPr lang="en-US" altLang="zh-CN" dirty="0" smtClean="0"/>
+              <a:t>(new </a:t>
+            </a:r>
+            <a:r>
+              <a:rPr lang="en-US" altLang="zh-CN" dirty="0" err="1" smtClean="0"/>
+              <a:t>BinderProxy</a:t>
+            </a:r>
+            <a:r>
+              <a:rPr lang="en-US" altLang="zh-CN" dirty="0" smtClean="0"/>
+              <a:t>)</a:t>
+            </a:r>
+          </a:p>
+          <a:p>
+            <a:r>
+              <a:rPr lang="en-US" altLang="zh-CN" dirty="0"/>
+              <a:t> </a:t>
+            </a:r>
+            <a:r>
+              <a:rPr lang="en-US" altLang="zh-CN" dirty="0" smtClean="0"/>
+              <a:t>          </a:t>
+            </a:r>
+            <a:r>
+              <a:rPr lang="en-US" altLang="zh-CN" dirty="0" err="1" smtClean="0"/>
+              <a:t>ServiceManagerNative.asInterface</a:t>
+            </a:r>
+            <a:r>
+              <a:rPr lang="en-US" altLang="zh-CN" dirty="0" smtClean="0"/>
+              <a:t>(</a:t>
+            </a:r>
+            <a:r>
+              <a:rPr lang="en-US" altLang="zh-CN" dirty="0" err="1" smtClean="0"/>
+              <a:t>BinderInternal.getContextObject</a:t>
+            </a:r>
+            <a:r>
+              <a:rPr lang="en-US" altLang="zh-CN" dirty="0" smtClean="0"/>
+              <a:t>)</a:t>
+            </a:r>
+          </a:p>
+          <a:p>
+            <a:r>
+              <a:rPr lang="en-US" altLang="zh-CN" dirty="0"/>
+              <a:t> </a:t>
+            </a:r>
+            <a:r>
+              <a:rPr lang="en-US" altLang="zh-CN" dirty="0" smtClean="0"/>
+              <a:t>              </a:t>
+            </a:r>
+            <a:r>
+              <a:rPr lang="en-US" altLang="zh-CN" dirty="0" err="1" smtClean="0"/>
+              <a:t>BinderInternal.getContextObject</a:t>
+            </a:r>
+            <a:r>
+              <a:rPr lang="en-US" altLang="zh-CN" dirty="0" smtClean="0"/>
+              <a:t>-----</a:t>
+            </a:r>
+            <a:r>
+              <a:rPr lang="zh-CN" altLang="en-US" dirty="0" smtClean="0"/>
+              <a:t>返回</a:t>
+            </a:r>
+            <a:r>
+              <a:rPr lang="en-US" altLang="zh-CN" dirty="0" err="1" smtClean="0"/>
+              <a:t>BinderProxy</a:t>
+            </a:r>
+            <a:r>
+              <a:rPr lang="zh-CN" altLang="en-US" dirty="0" smtClean="0"/>
+              <a:t>对象</a:t>
+            </a:r>
+            <a:endParaRPr lang="en-US" altLang="zh-CN" dirty="0" smtClean="0"/>
+          </a:p>
+          <a:p>
+            <a:r>
+              <a:rPr lang="en-US" altLang="zh-CN" dirty="0"/>
+              <a:t> </a:t>
+            </a:r>
+            <a:r>
+              <a:rPr lang="en-US" altLang="zh-CN" dirty="0" smtClean="0"/>
+              <a:t>             </a:t>
+            </a:r>
+            <a:r>
+              <a:rPr lang="en-US" altLang="zh-CN" dirty="0"/>
+              <a:t> </a:t>
+            </a:r>
+            <a:r>
+              <a:rPr lang="en-US" altLang="zh-CN" dirty="0" smtClean="0"/>
+              <a:t>    </a:t>
+            </a:r>
+            <a:r>
+              <a:rPr lang="en-US" altLang="zh-CN" dirty="0" err="1" smtClean="0"/>
+              <a:t>ProcessState</a:t>
+            </a:r>
+            <a:r>
+              <a:rPr lang="en-US" altLang="zh-CN" dirty="0" smtClean="0"/>
+              <a:t>::self()----</a:t>
+            </a:r>
+            <a:r>
+              <a:rPr lang="en-US" altLang="zh-CN" dirty="0" err="1" smtClean="0"/>
+              <a:t>getContextObject</a:t>
+            </a:r>
+            <a:r>
+              <a:rPr lang="en-US" altLang="zh-CN" dirty="0" smtClean="0"/>
+              <a:t>:</a:t>
+            </a:r>
+            <a:r>
+              <a:rPr lang="zh-CN" altLang="en-US" dirty="0" smtClean="0"/>
+              <a:t>创建一个</a:t>
+            </a:r>
+            <a:r>
+              <a:rPr lang="en-US" altLang="zh-CN" dirty="0" err="1" smtClean="0"/>
+              <a:t>BpBinder</a:t>
+            </a:r>
+            <a:endParaRPr lang="en-US" altLang="zh-CN" dirty="0" smtClean="0"/>
+          </a:p>
+          <a:p>
+            <a:r>
+              <a:rPr lang="en-US" altLang="zh-CN" dirty="0" smtClean="0"/>
+              <a:t>                   </a:t>
+            </a:r>
+            <a:r>
+              <a:rPr lang="en-US" altLang="zh-CN" dirty="0" err="1" smtClean="0"/>
+              <a:t>javaObjectForIBinder</a:t>
+            </a:r>
+            <a:r>
+              <a:rPr lang="en-US" altLang="zh-CN" dirty="0" smtClean="0"/>
+              <a:t>—</a:t>
+            </a:r>
+            <a:r>
+              <a:rPr lang="en-US" altLang="zh-CN" dirty="0" err="1" smtClean="0"/>
+              <a:t>BinderProxy</a:t>
+            </a:r>
+            <a:r>
+              <a:rPr lang="zh-CN" altLang="en-US" dirty="0" smtClean="0"/>
+              <a:t>和</a:t>
+            </a:r>
+            <a:r>
+              <a:rPr lang="en-US" altLang="zh-CN" dirty="0" err="1" smtClean="0"/>
+              <a:t>BpBinder</a:t>
+            </a:r>
+            <a:r>
+              <a:rPr lang="zh-CN" altLang="en-US" dirty="0" smtClean="0"/>
+              <a:t>互相绑定</a:t>
+            </a:r>
+            <a:r>
+              <a:rPr lang="en-US" altLang="zh-CN" dirty="0" smtClean="0"/>
+              <a:t> </a:t>
+            </a:r>
+          </a:p>
+          <a:p>
+            <a:r>
+              <a:rPr lang="en-US" altLang="zh-CN" dirty="0"/>
+              <a:t> </a:t>
+            </a:r>
+            <a:r>
+              <a:rPr lang="en-US" altLang="zh-CN" dirty="0" smtClean="0"/>
+              <a:t>            </a:t>
+            </a:r>
+            <a:r>
+              <a:rPr lang="en-US" altLang="zh-CN" dirty="0"/>
+              <a:t> </a:t>
+            </a:r>
+            <a:r>
+              <a:rPr lang="en-US" altLang="zh-CN" dirty="0" smtClean="0"/>
+              <a:t>  </a:t>
+            </a:r>
+            <a:r>
+              <a:rPr lang="en-US" altLang="zh-CN" dirty="0" err="1" smtClean="0"/>
+              <a:t>ServiceManagerNative.asInterface</a:t>
+            </a:r>
+            <a:endParaRPr lang="en-US" altLang="zh-CN" dirty="0" smtClean="0"/>
+          </a:p>
+          <a:p>
+            <a:r>
+              <a:rPr lang="en-US" altLang="zh-CN" dirty="0" smtClean="0"/>
+              <a:t>                    </a:t>
+            </a:r>
+            <a:r>
+              <a:rPr lang="zh-CN" altLang="en-US" dirty="0" smtClean="0"/>
+              <a:t>返回</a:t>
+            </a:r>
+            <a:r>
+              <a:rPr lang="en-US" altLang="zh-CN" dirty="0" err="1" smtClean="0"/>
+              <a:t>ServiceManagerProxy</a:t>
+            </a:r>
+            <a:endParaRPr lang="en-US" altLang="zh-CN" dirty="0"/>
+          </a:p>
+          <a:p>
+            <a:endParaRPr lang="en-US" altLang="zh-CN" dirty="0" smtClean="0"/>
+          </a:p>
+          <a:p>
+            <a:r>
+              <a:rPr lang="en-US" altLang="zh-CN" dirty="0"/>
+              <a:t> </a:t>
+            </a:r>
+            <a:r>
+              <a:rPr lang="en-US" altLang="zh-CN" dirty="0" smtClean="0"/>
+              <a:t>      </a:t>
+            </a:r>
+            <a:r>
+              <a:rPr lang="en-US" altLang="zh-CN" dirty="0" err="1" smtClean="0"/>
+              <a:t>addService</a:t>
+            </a:r>
+            <a:endParaRPr lang="en-US" altLang="zh-CN" dirty="0" smtClean="0"/>
+          </a:p>
+          <a:p>
+            <a:r>
+              <a:rPr lang="en-US" altLang="zh-CN" dirty="0" smtClean="0"/>
+              <a:t>            </a:t>
+            </a:r>
+            <a:r>
+              <a:rPr lang="en-US" altLang="zh-CN" dirty="0" err="1" smtClean="0"/>
+              <a:t>data.writeStrongBinder</a:t>
+            </a:r>
+            <a:r>
+              <a:rPr lang="en-US" altLang="zh-CN" dirty="0" smtClean="0"/>
+              <a:t>(service);--service==AMS---</a:t>
+            </a:r>
+            <a:r>
+              <a:rPr lang="zh-CN" altLang="en-US" dirty="0" smtClean="0"/>
+              <a:t>将</a:t>
+            </a:r>
+            <a:r>
+              <a:rPr lang="en-US" altLang="zh-CN" dirty="0" smtClean="0"/>
+              <a:t>AMS</a:t>
+            </a:r>
+            <a:r>
+              <a:rPr lang="zh-CN" altLang="en-US" dirty="0" smtClean="0"/>
+              <a:t>放入</a:t>
+            </a:r>
+            <a:r>
+              <a:rPr lang="en-US" altLang="zh-CN" dirty="0" smtClean="0"/>
+              <a:t>data</a:t>
+            </a:r>
+          </a:p>
+          <a:p>
+            <a:r>
+              <a:rPr lang="en-US" altLang="zh-CN" dirty="0"/>
+              <a:t> </a:t>
+            </a:r>
+            <a:r>
+              <a:rPr lang="en-US" altLang="zh-CN" dirty="0" smtClean="0"/>
+              <a:t>           </a:t>
+            </a:r>
+            <a:r>
+              <a:rPr lang="en-US" altLang="zh-CN" dirty="0" err="1" smtClean="0"/>
+              <a:t>mRemote.transact</a:t>
+            </a:r>
+            <a:r>
+              <a:rPr lang="en-US" altLang="zh-CN" dirty="0" smtClean="0"/>
+              <a:t>—</a:t>
+            </a:r>
+            <a:r>
+              <a:rPr lang="en-US" altLang="zh-CN" dirty="0" err="1" smtClean="0"/>
+              <a:t>mRemote</a:t>
+            </a:r>
+            <a:r>
+              <a:rPr lang="en-US" altLang="zh-CN" dirty="0" smtClean="0"/>
+              <a:t>==</a:t>
+            </a:r>
+            <a:r>
+              <a:rPr lang="en-US" altLang="zh-CN" dirty="0" err="1" smtClean="0"/>
+              <a:t>BinderProxy</a:t>
+            </a:r>
+            <a:endParaRPr lang="en-US" altLang="zh-CN" dirty="0"/>
+          </a:p>
+          <a:p>
+            <a:r>
+              <a:rPr lang="en-US" altLang="zh-CN" dirty="0" smtClean="0"/>
+              <a:t>                  1.</a:t>
+            </a:r>
+            <a:r>
+              <a:rPr lang="zh-CN" altLang="en-US" dirty="0" smtClean="0"/>
+              <a:t>获取</a:t>
+            </a:r>
+            <a:r>
+              <a:rPr lang="en-US" altLang="zh-CN" dirty="0" err="1" smtClean="0"/>
+              <a:t>BpBinder</a:t>
+            </a:r>
+            <a:endParaRPr lang="en-US" altLang="zh-CN" dirty="0" smtClean="0"/>
+          </a:p>
+          <a:p>
+            <a:r>
+              <a:rPr lang="en-US" altLang="zh-CN" dirty="0" smtClean="0"/>
+              <a:t>                       1.writeTransactionData---out</a:t>
+            </a:r>
+            <a:r>
+              <a:rPr lang="zh-CN" altLang="en-US" dirty="0" smtClean="0"/>
+              <a:t>写入命令</a:t>
+            </a:r>
+            <a:r>
+              <a:rPr lang="en-US" altLang="zh-CN" dirty="0" smtClean="0"/>
+              <a:t>—write---</a:t>
+            </a:r>
+            <a:r>
+              <a:rPr lang="en-US" altLang="zh-CN" dirty="0" err="1" smtClean="0"/>
+              <a:t>comd</a:t>
+            </a:r>
+            <a:r>
+              <a:rPr lang="en-US" altLang="zh-CN" dirty="0" smtClean="0"/>
+              <a:t>==BC_TRANSACTION</a:t>
+            </a:r>
+          </a:p>
+          <a:p>
+            <a:r>
+              <a:rPr lang="en-US" altLang="zh-CN" dirty="0" smtClean="0"/>
+              <a:t>                        2.waitForResponse </a:t>
+            </a:r>
+          </a:p>
+          <a:p>
+            <a:r>
+              <a:rPr lang="en-US" altLang="zh-CN" dirty="0"/>
+              <a:t> </a:t>
+            </a:r>
+            <a:r>
+              <a:rPr lang="en-US" altLang="zh-CN" dirty="0" smtClean="0"/>
+              <a:t>                             </a:t>
+            </a:r>
+            <a:r>
+              <a:rPr lang="en-US" altLang="zh-CN" dirty="0" err="1" smtClean="0"/>
+              <a:t>talkWithDriver</a:t>
+            </a:r>
+            <a:r>
+              <a:rPr lang="en-US" altLang="zh-CN" dirty="0" smtClean="0"/>
+              <a:t>---</a:t>
+            </a:r>
+            <a:r>
+              <a:rPr lang="zh-CN" altLang="en-US" dirty="0" smtClean="0"/>
+              <a:t>非常重要</a:t>
+            </a:r>
+            <a:r>
+              <a:rPr lang="en-US" altLang="zh-CN" dirty="0" smtClean="0"/>
+              <a:t>---</a:t>
+            </a:r>
+            <a:r>
+              <a:rPr lang="zh-CN" altLang="en-US" dirty="0" smtClean="0"/>
+              <a:t>代码非常长</a:t>
+            </a:r>
+            <a:endParaRPr lang="en-US" altLang="zh-CN" dirty="0" smtClean="0"/>
+          </a:p>
+          <a:p>
+            <a:r>
+              <a:rPr lang="en-US" altLang="zh-CN" dirty="0"/>
+              <a:t> </a:t>
+            </a:r>
+            <a:r>
+              <a:rPr lang="en-US" altLang="zh-CN" dirty="0" smtClean="0"/>
+              <a:t>                                  </a:t>
+            </a:r>
+            <a:r>
+              <a:rPr lang="en-US" altLang="zh-CN" dirty="0" err="1" smtClean="0"/>
+              <a:t>binder_transaction</a:t>
+            </a:r>
+            <a:endParaRPr lang="en-US" altLang="zh-CN" dirty="0" smtClean="0"/>
+          </a:p>
+          <a:p>
+            <a:r>
+              <a:rPr lang="en-US" altLang="zh-CN" dirty="0"/>
+              <a:t> </a:t>
+            </a:r>
+            <a:r>
+              <a:rPr lang="en-US" altLang="zh-CN" dirty="0" smtClean="0"/>
+              <a:t>                                      handle==0---</a:t>
+            </a:r>
+            <a:r>
+              <a:rPr lang="en-US" altLang="zh-CN" dirty="0" err="1" smtClean="0"/>
+              <a:t>sm</a:t>
+            </a:r>
+            <a:endParaRPr lang="en-US" altLang="zh-CN" dirty="0" smtClean="0"/>
+          </a:p>
+          <a:p>
+            <a:r>
+              <a:rPr lang="en-US" altLang="zh-CN" dirty="0" smtClean="0"/>
+              <a:t>                                            1.target_node</a:t>
+            </a:r>
+          </a:p>
+          <a:p>
+            <a:r>
+              <a:rPr lang="en-US" altLang="zh-CN" dirty="0"/>
+              <a:t> </a:t>
+            </a:r>
+            <a:r>
+              <a:rPr lang="en-US" altLang="zh-CN" dirty="0" smtClean="0"/>
+              <a:t>                                            2.proc</a:t>
+            </a:r>
+          </a:p>
+          <a:p>
+            <a:r>
+              <a:rPr lang="en-US" altLang="zh-CN" dirty="0"/>
+              <a:t> </a:t>
+            </a:r>
+            <a:r>
+              <a:rPr lang="en-US" altLang="zh-CN" dirty="0" smtClean="0"/>
+              <a:t>                                             3. </a:t>
+            </a:r>
+            <a:r>
+              <a:rPr lang="en-US" altLang="zh-CN" dirty="0" err="1" smtClean="0"/>
+              <a:t>todo,wait</a:t>
+            </a:r>
+            <a:endParaRPr lang="en-US" altLang="zh-CN" dirty="0" smtClean="0"/>
+          </a:p>
+          <a:p>
+            <a:r>
+              <a:rPr lang="en-US" altLang="zh-CN" dirty="0"/>
+              <a:t> </a:t>
+            </a:r>
+            <a:r>
+              <a:rPr lang="en-US" altLang="zh-CN" dirty="0" smtClean="0"/>
+              <a:t>                                             4. </a:t>
+            </a:r>
+            <a:r>
+              <a:rPr lang="zh-CN" altLang="en-US" dirty="0" smtClean="0"/>
+              <a:t>创建</a:t>
+            </a:r>
+            <a:r>
+              <a:rPr lang="en-US" altLang="zh-CN" dirty="0" smtClean="0"/>
+              <a:t>t</a:t>
+            </a:r>
+            <a:r>
+              <a:rPr lang="zh-CN" altLang="en-US" dirty="0" smtClean="0"/>
+              <a:t>，</a:t>
+            </a:r>
+            <a:r>
+              <a:rPr lang="en-US" altLang="zh-CN" dirty="0" err="1" smtClean="0"/>
+              <a:t>tcomplete</a:t>
+            </a:r>
+            <a:endParaRPr lang="en-US" altLang="zh-CN" dirty="0" smtClean="0"/>
+          </a:p>
+          <a:p>
+            <a:r>
+              <a:rPr lang="en-US" altLang="zh-CN" dirty="0"/>
+              <a:t> </a:t>
+            </a:r>
+            <a:r>
+              <a:rPr lang="en-US" altLang="zh-CN" dirty="0" smtClean="0"/>
+              <a:t>                                             5. </a:t>
+            </a:r>
+            <a:r>
+              <a:rPr lang="zh-CN" altLang="en-US" dirty="0" smtClean="0"/>
+              <a:t>数据拷贝</a:t>
+            </a:r>
+            <a:endParaRPr lang="en-US" altLang="zh-CN" dirty="0"/>
+          </a:p>
+          <a:p>
+            <a:endParaRPr lang="en-US" altLang="zh-CN" dirty="0" smtClean="0"/>
+          </a:p>
+        </p:txBody>
+      </p:sp>
+      <p:sp>
+        <p:nvSpPr>
+          <p:cNvPr id="5" name="云形标注 4"/>
+          <p:cNvSpPr/>
+          <p:nvPr/>
+        </p:nvSpPr>
+        <p:spPr>
+          <a:xfrm>
+            <a:off x="778211" y="1001950"/>
+            <a:ext cx="87549" cy="97276"/>
+          </a:xfrm>
+          <a:prstGeom prst="cloudCallout">
+            <a:avLst/>
+          </a:prstGeom>
+        </p:spPr>
+        <p:style>
+          <a:lnRef idx="2">
+            <a:schemeClr val="accent1">
+              <a:shade val="50000"/>
+            </a:schemeClr>
+          </a:lnRef>
+          <a:fillRef idx="1">
+            <a:schemeClr val="accent1"/>
+          </a:fillRef>
+          <a:effectRef idx="0">
+            <a:schemeClr val="accent1"/>
+          </a:effectRef>
+          <a:fontRef idx="minor">
+            <a:schemeClr val="lt1"/>
+          </a:fontRef>
+        </p:style>
+        <p:txBody>
+          <a:bodyPr rtlCol="0" anchor="ctr"/>
+          <a:lstStyle/>
+          <a:p>
+            <a:pPr algn="ctr"/>
+            <a:endParaRPr lang="zh-CN" altLang="en-US"/>
+          </a:p>
+        </p:txBody>
+      </p:sp>
+      <p:sp>
+        <p:nvSpPr>
+          <p:cNvPr id="6" name="五角星 5"/>
+          <p:cNvSpPr/>
+          <p:nvPr/>
+        </p:nvSpPr>
+        <p:spPr>
+          <a:xfrm>
+            <a:off x="972766" y="1235412"/>
+            <a:ext cx="116732" cy="87549"/>
+          </a:xfrm>
+          <a:prstGeom prst="star5">
+            <a:avLst/>
+          </a:prstGeom>
+        </p:spPr>
+        <p:style>
+          <a:lnRef idx="2">
+            <a:schemeClr val="accent1">
+              <a:shade val="50000"/>
+            </a:schemeClr>
+          </a:lnRef>
+          <a:fillRef idx="1">
+            <a:schemeClr val="accent1"/>
+          </a:fillRef>
+          <a:effectRef idx="0">
+            <a:schemeClr val="accent1"/>
+          </a:effectRef>
+          <a:fontRef idx="minor">
+            <a:schemeClr val="lt1"/>
+          </a:fontRef>
+        </p:style>
+        <p:txBody>
+          <a:bodyPr rtlCol="0" anchor="ctr"/>
+          <a:lstStyle/>
+          <a:p>
+            <a:pPr algn="ctr"/>
+            <a:endParaRPr lang="zh-CN" altLang="en-US"/>
+          </a:p>
+        </p:txBody>
+      </p:sp>
+      <p:sp>
+        <p:nvSpPr>
+          <p:cNvPr id="7" name="五角星 6"/>
+          <p:cNvSpPr/>
+          <p:nvPr/>
+        </p:nvSpPr>
+        <p:spPr>
+          <a:xfrm>
+            <a:off x="1202987" y="1476212"/>
+            <a:ext cx="116732" cy="87549"/>
+          </a:xfrm>
+          <a:prstGeom prst="star5">
+            <a:avLst/>
+          </a:prstGeom>
+        </p:spPr>
+        <p:style>
+          <a:lnRef idx="2">
+            <a:schemeClr val="accent1">
+              <a:shade val="50000"/>
+            </a:schemeClr>
+          </a:lnRef>
+          <a:fillRef idx="1">
+            <a:schemeClr val="accent1"/>
+          </a:fillRef>
+          <a:effectRef idx="0">
+            <a:schemeClr val="accent1"/>
+          </a:effectRef>
+          <a:fontRef idx="minor">
+            <a:schemeClr val="lt1"/>
+          </a:fontRef>
+        </p:style>
+        <p:txBody>
+          <a:bodyPr rtlCol="0" anchor="ctr"/>
+          <a:lstStyle/>
+          <a:p>
+            <a:pPr algn="ctr"/>
+            <a:endParaRPr lang="zh-CN" altLang="en-US"/>
+          </a:p>
+        </p:txBody>
+      </p:sp>
+      <p:sp>
+        <p:nvSpPr>
+          <p:cNvPr id="8" name="五角星 7"/>
+          <p:cNvSpPr/>
+          <p:nvPr/>
+        </p:nvSpPr>
+        <p:spPr>
+          <a:xfrm>
+            <a:off x="1413752" y="1748479"/>
+            <a:ext cx="116732" cy="87549"/>
+          </a:xfrm>
+          <a:prstGeom prst="star5">
+            <a:avLst/>
+          </a:prstGeom>
+        </p:spPr>
+        <p:style>
+          <a:lnRef idx="2">
+            <a:schemeClr val="accent1">
+              <a:shade val="50000"/>
+            </a:schemeClr>
+          </a:lnRef>
+          <a:fillRef idx="1">
+            <a:schemeClr val="accent1"/>
+          </a:fillRef>
+          <a:effectRef idx="0">
+            <a:schemeClr val="accent1"/>
+          </a:effectRef>
+          <a:fontRef idx="minor">
+            <a:schemeClr val="lt1"/>
+          </a:fontRef>
+        </p:style>
+        <p:txBody>
+          <a:bodyPr rtlCol="0" anchor="ctr"/>
+          <a:lstStyle/>
+          <a:p>
+            <a:pPr algn="ctr"/>
+            <a:endParaRPr lang="zh-CN" altLang="en-US"/>
+          </a:p>
+        </p:txBody>
+      </p:sp>
+      <p:sp>
+        <p:nvSpPr>
+          <p:cNvPr id="9" name="五角星 8"/>
+          <p:cNvSpPr/>
+          <p:nvPr/>
+        </p:nvSpPr>
+        <p:spPr>
+          <a:xfrm>
+            <a:off x="1209472" y="2350851"/>
+            <a:ext cx="116732" cy="87549"/>
+          </a:xfrm>
+          <a:prstGeom prst="star5">
+            <a:avLst/>
+          </a:prstGeom>
+        </p:spPr>
+        <p:style>
+          <a:lnRef idx="2">
+            <a:schemeClr val="accent1">
+              <a:shade val="50000"/>
+            </a:schemeClr>
+          </a:lnRef>
+          <a:fillRef idx="1">
+            <a:schemeClr val="accent1"/>
+          </a:fillRef>
+          <a:effectRef idx="0">
+            <a:schemeClr val="accent1"/>
+          </a:effectRef>
+          <a:fontRef idx="minor">
+            <a:schemeClr val="lt1"/>
+          </a:fontRef>
+        </p:style>
+        <p:txBody>
+          <a:bodyPr rtlCol="0" anchor="ctr"/>
+          <a:lstStyle/>
+          <a:p>
+            <a:pPr algn="ctr"/>
+            <a:endParaRPr lang="zh-CN" altLang="en-US"/>
+          </a:p>
+        </p:txBody>
+      </p:sp>
+      <p:sp>
+        <p:nvSpPr>
+          <p:cNvPr id="10" name="云形标注 9"/>
+          <p:cNvSpPr/>
+          <p:nvPr/>
+        </p:nvSpPr>
+        <p:spPr>
+          <a:xfrm>
+            <a:off x="741731" y="3171217"/>
+            <a:ext cx="160507" cy="126785"/>
+          </a:xfrm>
+          <a:prstGeom prst="cloudCallout">
+            <a:avLst/>
+          </a:prstGeom>
+        </p:spPr>
+        <p:style>
+          <a:lnRef idx="2">
+            <a:schemeClr val="accent1">
+              <a:shade val="50000"/>
+            </a:schemeClr>
+          </a:lnRef>
+          <a:fillRef idx="1">
+            <a:schemeClr val="accent1"/>
+          </a:fillRef>
+          <a:effectRef idx="0">
+            <a:schemeClr val="accent1"/>
+          </a:effectRef>
+          <a:fontRef idx="minor">
+            <a:schemeClr val="lt1"/>
+          </a:fontRef>
+        </p:style>
+        <p:txBody>
+          <a:bodyPr rtlCol="0" anchor="ctr"/>
+          <a:lstStyle/>
+          <a:p>
+            <a:pPr algn="ctr"/>
+            <a:endParaRPr lang="zh-CN" altLang="en-US"/>
+          </a:p>
+        </p:txBody>
+      </p:sp>
+      <p:sp>
+        <p:nvSpPr>
+          <p:cNvPr id="12" name="五角星 11"/>
+          <p:cNvSpPr/>
+          <p:nvPr/>
+        </p:nvSpPr>
+        <p:spPr>
+          <a:xfrm>
+            <a:off x="1413752" y="2037066"/>
+            <a:ext cx="116732" cy="87549"/>
+          </a:xfrm>
+          <a:prstGeom prst="star5">
+            <a:avLst/>
+          </a:prstGeom>
+        </p:spPr>
+        <p:style>
+          <a:lnRef idx="2">
+            <a:schemeClr val="accent1">
+              <a:shade val="50000"/>
+            </a:schemeClr>
+          </a:lnRef>
+          <a:fillRef idx="1">
+            <a:schemeClr val="accent1"/>
+          </a:fillRef>
+          <a:effectRef idx="0">
+            <a:schemeClr val="accent1"/>
+          </a:effectRef>
+          <a:fontRef idx="minor">
+            <a:schemeClr val="lt1"/>
+          </a:fontRef>
+        </p:style>
+        <p:txBody>
+          <a:bodyPr rtlCol="0" anchor="ctr"/>
+          <a:lstStyle/>
+          <a:p>
+            <a:pPr algn="ctr"/>
+            <a:endParaRPr lang="zh-CN" altLang="en-US"/>
+          </a:p>
+        </p:txBody>
+      </p:sp>
+      <p:sp>
+        <p:nvSpPr>
+          <p:cNvPr id="13" name="五角星 12"/>
+          <p:cNvSpPr/>
+          <p:nvPr/>
+        </p:nvSpPr>
+        <p:spPr>
+          <a:xfrm>
+            <a:off x="1413752" y="2648872"/>
+            <a:ext cx="116732" cy="87549"/>
+          </a:xfrm>
+          <a:prstGeom prst="star5">
+            <a:avLst/>
+          </a:prstGeom>
+        </p:spPr>
+        <p:style>
+          <a:lnRef idx="2">
+            <a:schemeClr val="accent1">
+              <a:shade val="50000"/>
+            </a:schemeClr>
+          </a:lnRef>
+          <a:fillRef idx="1">
+            <a:schemeClr val="accent1"/>
+          </a:fillRef>
+          <a:effectRef idx="0">
+            <a:schemeClr val="accent1"/>
+          </a:effectRef>
+          <a:fontRef idx="minor">
+            <a:schemeClr val="lt1"/>
+          </a:fontRef>
+        </p:style>
+        <p:txBody>
+          <a:bodyPr rtlCol="0" anchor="ctr"/>
+          <a:lstStyle/>
+          <a:p>
+            <a:pPr algn="ctr"/>
+            <a:endParaRPr lang="zh-CN" altLang="en-US"/>
+          </a:p>
+        </p:txBody>
+      </p:sp>
+      <p:sp>
+        <p:nvSpPr>
+          <p:cNvPr id="14" name="五角星 13"/>
+          <p:cNvSpPr/>
+          <p:nvPr/>
+        </p:nvSpPr>
+        <p:spPr>
+          <a:xfrm>
+            <a:off x="972766" y="3511392"/>
+            <a:ext cx="116732" cy="58660"/>
+          </a:xfrm>
+          <a:prstGeom prst="star5">
+            <a:avLst/>
+          </a:prstGeom>
+        </p:spPr>
+        <p:style>
+          <a:lnRef idx="2">
+            <a:schemeClr val="accent1">
+              <a:shade val="50000"/>
+            </a:schemeClr>
+          </a:lnRef>
+          <a:fillRef idx="1">
+            <a:schemeClr val="accent1"/>
+          </a:fillRef>
+          <a:effectRef idx="0">
+            <a:schemeClr val="accent1"/>
+          </a:effectRef>
+          <a:fontRef idx="minor">
+            <a:schemeClr val="lt1"/>
+          </a:fontRef>
+        </p:style>
+        <p:txBody>
+          <a:bodyPr rtlCol="0" anchor="ctr"/>
+          <a:lstStyle/>
+          <a:p>
+            <a:pPr algn="ctr"/>
+            <a:endParaRPr lang="zh-CN" altLang="en-US"/>
+          </a:p>
+        </p:txBody>
+      </p:sp>
+      <p:sp>
+        <p:nvSpPr>
+          <p:cNvPr id="15" name="五角星 14"/>
+          <p:cNvSpPr/>
+          <p:nvPr/>
+        </p:nvSpPr>
+        <p:spPr>
+          <a:xfrm>
+            <a:off x="972766" y="3751340"/>
+            <a:ext cx="116732" cy="87549"/>
+          </a:xfrm>
+          <a:prstGeom prst="star5">
+            <a:avLst/>
+          </a:prstGeom>
+        </p:spPr>
+        <p:style>
+          <a:lnRef idx="2">
+            <a:schemeClr val="accent1">
+              <a:shade val="50000"/>
+            </a:schemeClr>
+          </a:lnRef>
+          <a:fillRef idx="1">
+            <a:schemeClr val="accent1"/>
+          </a:fillRef>
+          <a:effectRef idx="0">
+            <a:schemeClr val="accent1"/>
+          </a:effectRef>
+          <a:fontRef idx="minor">
+            <a:schemeClr val="lt1"/>
+          </a:fontRef>
+        </p:style>
+        <p:txBody>
+          <a:bodyPr rtlCol="0" anchor="ctr"/>
+          <a:lstStyle/>
+          <a:p>
+            <a:pPr algn="ctr"/>
+            <a:endParaRPr lang="zh-CN" altLang="en-US"/>
+          </a:p>
+        </p:txBody>
+      </p:sp>
+      <p:sp>
+        <p:nvSpPr>
+          <p:cNvPr id="16" name="五角星 15"/>
+          <p:cNvSpPr/>
+          <p:nvPr/>
+        </p:nvSpPr>
+        <p:spPr>
+          <a:xfrm>
+            <a:off x="1413752" y="3983646"/>
+            <a:ext cx="116732" cy="87549"/>
+          </a:xfrm>
+          <a:prstGeom prst="star5">
+            <a:avLst/>
+          </a:prstGeom>
+        </p:spPr>
+        <p:style>
+          <a:lnRef idx="2">
+            <a:schemeClr val="accent1">
+              <a:shade val="50000"/>
+            </a:schemeClr>
+          </a:lnRef>
+          <a:fillRef idx="1">
+            <a:schemeClr val="accent1"/>
+          </a:fillRef>
+          <a:effectRef idx="0">
+            <a:schemeClr val="accent1"/>
+          </a:effectRef>
+          <a:fontRef idx="minor">
+            <a:schemeClr val="lt1"/>
+          </a:fontRef>
+        </p:style>
+        <p:txBody>
+          <a:bodyPr rtlCol="0" anchor="ctr"/>
+          <a:lstStyle/>
+          <a:p>
+            <a:pPr algn="ctr"/>
+            <a:endParaRPr lang="zh-CN" altLang="en-US"/>
+          </a:p>
+        </p:txBody>
+      </p:sp>
+      <p:sp>
+        <p:nvSpPr>
+          <p:cNvPr id="17" name="五角星 16"/>
+          <p:cNvSpPr/>
+          <p:nvPr/>
+        </p:nvSpPr>
+        <p:spPr>
+          <a:xfrm>
+            <a:off x="1588849" y="4279876"/>
+            <a:ext cx="116732" cy="87549"/>
+          </a:xfrm>
+          <a:prstGeom prst="star5">
+            <a:avLst/>
+          </a:prstGeom>
+        </p:spPr>
+        <p:style>
+          <a:lnRef idx="2">
+            <a:schemeClr val="accent1">
+              <a:shade val="50000"/>
+            </a:schemeClr>
+          </a:lnRef>
+          <a:fillRef idx="1">
+            <a:schemeClr val="accent1"/>
+          </a:fillRef>
+          <a:effectRef idx="0">
+            <a:schemeClr val="accent1"/>
+          </a:effectRef>
+          <a:fontRef idx="minor">
+            <a:schemeClr val="lt1"/>
+          </a:fontRef>
+        </p:style>
+        <p:txBody>
+          <a:bodyPr rtlCol="0" anchor="ctr"/>
+          <a:lstStyle/>
+          <a:p>
+            <a:pPr algn="ctr"/>
+            <a:endParaRPr lang="zh-CN" altLang="en-US"/>
+          </a:p>
+        </p:txBody>
+      </p:sp>
+      <p:sp>
+        <p:nvSpPr>
+          <p:cNvPr id="18" name="五角星 17"/>
+          <p:cNvSpPr/>
+          <p:nvPr/>
+        </p:nvSpPr>
+        <p:spPr>
+          <a:xfrm>
+            <a:off x="1631000" y="4533270"/>
+            <a:ext cx="116732" cy="87549"/>
+          </a:xfrm>
+          <a:prstGeom prst="star5">
+            <a:avLst/>
+          </a:prstGeom>
+        </p:spPr>
+        <p:style>
+          <a:lnRef idx="2">
+            <a:schemeClr val="accent1">
+              <a:shade val="50000"/>
+            </a:schemeClr>
+          </a:lnRef>
+          <a:fillRef idx="1">
+            <a:schemeClr val="accent1"/>
+          </a:fillRef>
+          <a:effectRef idx="0">
+            <a:schemeClr val="accent1"/>
+          </a:effectRef>
+          <a:fontRef idx="minor">
+            <a:schemeClr val="lt1"/>
+          </a:fontRef>
+        </p:style>
+        <p:txBody>
+          <a:bodyPr rtlCol="0" anchor="ctr"/>
+          <a:lstStyle/>
+          <a:p>
+            <a:pPr algn="ctr"/>
+            <a:endParaRPr lang="zh-CN" altLang="en-US"/>
+          </a:p>
+        </p:txBody>
+      </p:sp>
+      <p:sp>
+        <p:nvSpPr>
+          <p:cNvPr id="19" name="五角星 18"/>
+          <p:cNvSpPr/>
+          <p:nvPr/>
+        </p:nvSpPr>
+        <p:spPr>
+          <a:xfrm>
+            <a:off x="1948772" y="4845028"/>
+            <a:ext cx="116732" cy="87549"/>
+          </a:xfrm>
+          <a:prstGeom prst="star5">
+            <a:avLst/>
+          </a:prstGeom>
+        </p:spPr>
+        <p:style>
+          <a:lnRef idx="2">
+            <a:schemeClr val="accent1">
+              <a:shade val="50000"/>
+            </a:schemeClr>
+          </a:lnRef>
+          <a:fillRef idx="1">
+            <a:schemeClr val="accent1"/>
+          </a:fillRef>
+          <a:effectRef idx="0">
+            <a:schemeClr val="accent1"/>
+          </a:effectRef>
+          <a:fontRef idx="minor">
+            <a:schemeClr val="lt1"/>
+          </a:fontRef>
+        </p:style>
+        <p:txBody>
+          <a:bodyPr rtlCol="0" anchor="ctr"/>
+          <a:lstStyle/>
+          <a:p>
+            <a:pPr algn="ctr"/>
+            <a:endParaRPr lang="zh-CN" altLang="en-US"/>
+          </a:p>
+        </p:txBody>
+      </p:sp>
+      <p:sp>
+        <p:nvSpPr>
+          <p:cNvPr id="20" name="五角星 19"/>
+          <p:cNvSpPr/>
+          <p:nvPr/>
+        </p:nvSpPr>
+        <p:spPr>
+          <a:xfrm>
+            <a:off x="2198447" y="5084978"/>
+            <a:ext cx="116732" cy="87549"/>
+          </a:xfrm>
+          <a:prstGeom prst="star5">
+            <a:avLst/>
+          </a:prstGeom>
+        </p:spPr>
+        <p:style>
+          <a:lnRef idx="2">
+            <a:schemeClr val="accent1">
+              <a:shade val="50000"/>
+            </a:schemeClr>
+          </a:lnRef>
+          <a:fillRef idx="1">
+            <a:schemeClr val="accent1"/>
+          </a:fillRef>
+          <a:effectRef idx="0">
+            <a:schemeClr val="accent1"/>
+          </a:effectRef>
+          <a:fontRef idx="minor">
+            <a:schemeClr val="lt1"/>
+          </a:fontRef>
+        </p:style>
+        <p:txBody>
+          <a:bodyPr rtlCol="0" anchor="ctr"/>
+          <a:lstStyle/>
+          <a:p>
+            <a:pPr algn="ctr"/>
+            <a:endParaRPr lang="zh-CN" altLang="en-US"/>
+          </a:p>
+        </p:txBody>
+      </p:sp>
+      <p:sp>
+        <p:nvSpPr>
+          <p:cNvPr id="21" name="五角星 20"/>
+          <p:cNvSpPr/>
+          <p:nvPr/>
+        </p:nvSpPr>
+        <p:spPr>
+          <a:xfrm>
+            <a:off x="2399485" y="5393019"/>
+            <a:ext cx="116732" cy="87549"/>
+          </a:xfrm>
+          <a:prstGeom prst="star5">
+            <a:avLst/>
+          </a:prstGeom>
+        </p:spPr>
+        <p:style>
+          <a:lnRef idx="2">
+            <a:schemeClr val="accent1">
+              <a:shade val="50000"/>
+            </a:schemeClr>
+          </a:lnRef>
+          <a:fillRef idx="1">
+            <a:schemeClr val="accent1"/>
+          </a:fillRef>
+          <a:effectRef idx="0">
+            <a:schemeClr val="accent1"/>
+          </a:effectRef>
+          <a:fontRef idx="minor">
+            <a:schemeClr val="lt1"/>
+          </a:fontRef>
+        </p:style>
+        <p:txBody>
+          <a:bodyPr rtlCol="0" anchor="ctr"/>
+          <a:lstStyle/>
+          <a:p>
+            <a:pPr algn="ctr"/>
+            <a:endParaRPr lang="zh-CN" altLang="en-US"/>
+          </a:p>
+        </p:txBody>
+      </p:sp>
+      <p:sp>
+        <p:nvSpPr>
+          <p:cNvPr id="22" name="五角星 21"/>
+          <p:cNvSpPr/>
+          <p:nvPr/>
+        </p:nvSpPr>
+        <p:spPr>
+          <a:xfrm>
+            <a:off x="2621605" y="5624220"/>
+            <a:ext cx="165370" cy="116732"/>
+          </a:xfrm>
+          <a:prstGeom prst="star5">
+            <a:avLst/>
+          </a:prstGeom>
+        </p:spPr>
+        <p:style>
+          <a:lnRef idx="2">
+            <a:schemeClr val="accent1">
+              <a:shade val="50000"/>
+            </a:schemeClr>
+          </a:lnRef>
+          <a:fillRef idx="1">
+            <a:schemeClr val="accent1"/>
+          </a:fillRef>
+          <a:effectRef idx="0">
+            <a:schemeClr val="accent1"/>
+          </a:effectRef>
+          <a:fontRef idx="minor">
+            <a:schemeClr val="lt1"/>
+          </a:fontRef>
+        </p:style>
+        <p:txBody>
+          <a:bodyPr rtlCol="0" anchor="ctr"/>
+          <a:lstStyle/>
+          <a:p>
+            <a:pPr algn="ctr"/>
+            <a:endParaRPr lang="zh-CN" altLang="en-US"/>
+          </a:p>
+        </p:txBody>
+      </p:sp>
+      <p:sp>
+        <p:nvSpPr>
+          <p:cNvPr id="23" name="五角星 22"/>
+          <p:cNvSpPr/>
+          <p:nvPr/>
+        </p:nvSpPr>
+        <p:spPr>
+          <a:xfrm>
+            <a:off x="2655652" y="5921829"/>
+            <a:ext cx="165370" cy="116732"/>
+          </a:xfrm>
+          <a:prstGeom prst="star5">
+            <a:avLst/>
+          </a:prstGeom>
+        </p:spPr>
+        <p:style>
+          <a:lnRef idx="2">
+            <a:schemeClr val="accent1">
+              <a:shade val="50000"/>
+            </a:schemeClr>
+          </a:lnRef>
+          <a:fillRef idx="1">
+            <a:schemeClr val="accent1"/>
+          </a:fillRef>
+          <a:effectRef idx="0">
+            <a:schemeClr val="accent1"/>
+          </a:effectRef>
+          <a:fontRef idx="minor">
+            <a:schemeClr val="lt1"/>
+          </a:fontRef>
+        </p:style>
+        <p:txBody>
+          <a:bodyPr rtlCol="0" anchor="ctr"/>
+          <a:lstStyle/>
+          <a:p>
+            <a:pPr algn="ctr"/>
+            <a:endParaRPr lang="zh-CN" altLang="en-US"/>
+          </a:p>
+        </p:txBody>
+      </p:sp>
+      <p:sp>
+        <p:nvSpPr>
+          <p:cNvPr id="24" name="五角星 23"/>
+          <p:cNvSpPr/>
+          <p:nvPr/>
+        </p:nvSpPr>
+        <p:spPr>
+          <a:xfrm>
+            <a:off x="2679971" y="6193726"/>
+            <a:ext cx="165370" cy="116732"/>
+          </a:xfrm>
+          <a:prstGeom prst="star5">
+            <a:avLst/>
+          </a:prstGeom>
+        </p:spPr>
+        <p:style>
+          <a:lnRef idx="2">
+            <a:schemeClr val="accent1">
+              <a:shade val="50000"/>
+            </a:schemeClr>
+          </a:lnRef>
+          <a:fillRef idx="1">
+            <a:schemeClr val="accent1"/>
+          </a:fillRef>
+          <a:effectRef idx="0">
+            <a:schemeClr val="accent1"/>
+          </a:effectRef>
+          <a:fontRef idx="minor">
+            <a:schemeClr val="lt1"/>
+          </a:fontRef>
+        </p:style>
+        <p:txBody>
+          <a:bodyPr rtlCol="0" anchor="ctr"/>
+          <a:lstStyle/>
+          <a:p>
+            <a:pPr algn="ctr"/>
+            <a:endParaRPr lang="zh-CN" altLang="en-US"/>
+          </a:p>
+        </p:txBody>
+      </p:sp>
+      <p:sp>
+        <p:nvSpPr>
+          <p:cNvPr id="25" name="五角星 24"/>
+          <p:cNvSpPr/>
+          <p:nvPr/>
+        </p:nvSpPr>
+        <p:spPr>
+          <a:xfrm>
+            <a:off x="2704290" y="6472118"/>
+            <a:ext cx="165370" cy="116732"/>
+          </a:xfrm>
+          <a:prstGeom prst="star5">
+            <a:avLst/>
+          </a:prstGeom>
+        </p:spPr>
+        <p:style>
+          <a:lnRef idx="2">
+            <a:schemeClr val="accent1">
+              <a:shade val="50000"/>
+            </a:schemeClr>
+          </a:lnRef>
+          <a:fillRef idx="1">
+            <a:schemeClr val="accent1"/>
+          </a:fillRef>
+          <a:effectRef idx="0">
+            <a:schemeClr val="accent1"/>
+          </a:effectRef>
+          <a:fontRef idx="minor">
+            <a:schemeClr val="lt1"/>
+          </a:fontRef>
+        </p:style>
+        <p:txBody>
+          <a:bodyPr rtlCol="0" anchor="ctr"/>
+          <a:lstStyle/>
+          <a:p>
+            <a:pPr algn="ctr"/>
+            <a:endParaRPr lang="zh-CN" altLang="en-US"/>
+          </a:p>
+        </p:txBody>
+      </p:sp>
+      <p:sp>
+        <p:nvSpPr>
+          <p:cNvPr id="26" name="五角星 25"/>
+          <p:cNvSpPr/>
+          <p:nvPr/>
+        </p:nvSpPr>
+        <p:spPr>
+          <a:xfrm>
+            <a:off x="2704290" y="6701610"/>
+            <a:ext cx="165370" cy="116732"/>
+          </a:xfrm>
+          <a:prstGeom prst="star5">
+            <a:avLst/>
+          </a:prstGeom>
+        </p:spPr>
+        <p:style>
+          <a:lnRef idx="2">
+            <a:schemeClr val="accent1">
+              <a:shade val="50000"/>
+            </a:schemeClr>
+          </a:lnRef>
+          <a:fillRef idx="1">
+            <a:schemeClr val="accent1"/>
+          </a:fillRef>
+          <a:effectRef idx="0">
+            <a:schemeClr val="accent1"/>
+          </a:effectRef>
+          <a:fontRef idx="minor">
+            <a:schemeClr val="lt1"/>
+          </a:fontRef>
+        </p:style>
+        <p:txBody>
+          <a:bodyPr rtlCol="0" anchor="ctr"/>
+          <a:lstStyle/>
+          <a:p>
+            <a:pPr algn="ctr"/>
+            <a:endParaRPr lang="zh-CN" altLang="en-US"/>
+          </a:p>
+        </p:txBody>
+      </p:sp>
+    </p:spTree>
+    <p:extLst>
+      <p:ext uri="{BB962C8B-B14F-4D97-AF65-F5344CB8AC3E}">
+        <p14:creationId xmlns:p14="http://schemas.microsoft.com/office/powerpoint/2010/main" val="2409918584"/>
       </p:ext>
     </p:extLst>
   </p:cSld>
@@ -4438,40 +5968,563 @@
           <a:chExt cx="0" cy="0"/>
         </a:xfrm>
       </p:grpSpPr>
-      <p:pic>
-        <p:nvPicPr>
-          <p:cNvPr id="4" name="图片 3"/>
-          <p:cNvPicPr>
-            <a:picLocks noChangeAspect="1"/>
-          </p:cNvPicPr>
+      <p:sp>
+        <p:nvSpPr>
+          <p:cNvPr id="4" name="五角星 3"/>
+          <p:cNvSpPr/>
           <p:nvPr/>
-        </p:nvPicPr>
-        <p:blipFill>
-          <a:blip r:embed="rId2">
-            <a:extLst>
-              <a:ext uri="{28A0092B-C50C-407E-A947-70E740481C1C}">
-                <a14:useLocalDpi xmlns:a14="http://schemas.microsoft.com/office/drawing/2010/main" val="0"/>
-              </a:ext>
-            </a:extLst>
-          </a:blip>
-          <a:stretch>
-            <a:fillRect/>
-          </a:stretch>
-        </p:blipFill>
-        <p:spPr>
-          <a:xfrm>
-            <a:off x="844797" y="0"/>
-            <a:ext cx="9738732" cy="6858000"/>
+        </p:nvSpPr>
+        <p:spPr>
+          <a:xfrm>
+            <a:off x="2558376" y="486382"/>
+            <a:ext cx="165370" cy="116732"/>
+          </a:xfrm>
+          <a:prstGeom prst="star5">
+            <a:avLst/>
+          </a:prstGeom>
+        </p:spPr>
+        <p:style>
+          <a:lnRef idx="2">
+            <a:schemeClr val="accent1">
+              <a:shade val="50000"/>
+            </a:schemeClr>
+          </a:lnRef>
+          <a:fillRef idx="1">
+            <a:schemeClr val="accent1"/>
+          </a:fillRef>
+          <a:effectRef idx="0">
+            <a:schemeClr val="accent1"/>
+          </a:effectRef>
+          <a:fontRef idx="minor">
+            <a:schemeClr val="lt1"/>
+          </a:fontRef>
+        </p:style>
+        <p:txBody>
+          <a:bodyPr rtlCol="0" anchor="ctr"/>
+          <a:lstStyle/>
+          <a:p>
+            <a:pPr algn="ctr"/>
+            <a:endParaRPr lang="zh-CN" altLang="en-US"/>
+          </a:p>
+        </p:txBody>
+      </p:sp>
+      <p:sp>
+        <p:nvSpPr>
+          <p:cNvPr id="5" name="文本框 4"/>
+          <p:cNvSpPr txBox="1"/>
+          <p:nvPr/>
+        </p:nvSpPr>
+        <p:spPr>
+          <a:xfrm>
+            <a:off x="573932" y="359922"/>
+            <a:ext cx="10330773" cy="3139321"/>
           </a:xfrm>
           <a:prstGeom prst="rect">
             <a:avLst/>
           </a:prstGeom>
-        </p:spPr>
-      </p:pic>
+          <a:noFill/>
+        </p:spPr>
+        <p:txBody>
+          <a:bodyPr wrap="square" rtlCol="0">
+            <a:spAutoFit/>
+          </a:bodyPr>
+          <a:lstStyle/>
+          <a:p>
+            <a:r>
+              <a:rPr lang="en-US" altLang="zh-CN" dirty="0" smtClean="0"/>
+              <a:t>                                          6.binder_transaction_binder-----handle</a:t>
+            </a:r>
+          </a:p>
+          <a:p>
+            <a:r>
+              <a:rPr lang="en-US" altLang="zh-CN" dirty="0" smtClean="0"/>
+              <a:t>                                          7.thread---transaction stack=t-----------</a:t>
+            </a:r>
+            <a:r>
+              <a:rPr lang="zh-CN" altLang="en-US" dirty="0" smtClean="0"/>
+              <a:t>方便</a:t>
+            </a:r>
+            <a:r>
+              <a:rPr lang="en-US" altLang="zh-CN" dirty="0" err="1" smtClean="0"/>
+              <a:t>sm</a:t>
+            </a:r>
+            <a:r>
+              <a:rPr lang="zh-CN" altLang="en-US" dirty="0" smtClean="0"/>
+              <a:t>找到</a:t>
+            </a:r>
+            <a:r>
+              <a:rPr lang="en-US" altLang="zh-CN" dirty="0" smtClean="0"/>
+              <a:t>client</a:t>
+            </a:r>
+          </a:p>
+          <a:p>
+            <a:r>
+              <a:rPr lang="en-US" altLang="zh-CN" dirty="0" smtClean="0"/>
+              <a:t>                                          8.t-&gt;</a:t>
+            </a:r>
+            <a:r>
+              <a:rPr lang="en-US" altLang="zh-CN" dirty="0" err="1" smtClean="0"/>
+              <a:t>work.type</a:t>
+            </a:r>
+            <a:r>
+              <a:rPr lang="en-US" altLang="zh-CN" dirty="0" smtClean="0"/>
+              <a:t>=BINDER_WORK_TRANSACTION  --</a:t>
+            </a:r>
+            <a:r>
+              <a:rPr lang="zh-CN" altLang="en-US" dirty="0" smtClean="0"/>
+              <a:t>给</a:t>
+            </a:r>
+            <a:r>
+              <a:rPr lang="en-US" altLang="zh-CN" dirty="0" err="1" smtClean="0"/>
+              <a:t>sm</a:t>
+            </a:r>
+            <a:r>
+              <a:rPr lang="en-US" altLang="zh-CN" dirty="0" smtClean="0"/>
+              <a:t>—</a:t>
+            </a:r>
+            <a:r>
+              <a:rPr lang="zh-CN" altLang="en-US" dirty="0" smtClean="0"/>
+              <a:t>做事</a:t>
+            </a:r>
+            <a:endParaRPr lang="en-US" altLang="zh-CN" dirty="0" smtClean="0"/>
+          </a:p>
+          <a:p>
+            <a:r>
+              <a:rPr lang="en-US" altLang="zh-CN" dirty="0"/>
+              <a:t> </a:t>
+            </a:r>
+            <a:r>
+              <a:rPr lang="en-US" altLang="zh-CN" dirty="0" smtClean="0"/>
+              <a:t>                                         9.tcomplete-&gt;type=BINDER_WORK_TRANSACTION_COMPLETE;</a:t>
+            </a:r>
+            <a:r>
+              <a:rPr lang="zh-CN" altLang="en-US" dirty="0" smtClean="0"/>
+              <a:t>给</a:t>
+            </a:r>
+            <a:r>
+              <a:rPr lang="en-US" altLang="zh-CN" dirty="0" smtClean="0"/>
+              <a:t>client</a:t>
+            </a:r>
+            <a:r>
+              <a:rPr lang="zh-CN" altLang="en-US" dirty="0" smtClean="0"/>
+              <a:t>挂起</a:t>
+            </a:r>
+            <a:endParaRPr lang="en-US" altLang="zh-CN" dirty="0" smtClean="0"/>
+          </a:p>
+          <a:p>
+            <a:r>
+              <a:rPr lang="en-US" altLang="zh-CN" dirty="0"/>
+              <a:t> </a:t>
+            </a:r>
+            <a:r>
+              <a:rPr lang="en-US" altLang="zh-CN" dirty="0" smtClean="0"/>
+              <a:t>                                         10.wake_up_interruptible</a:t>
+            </a:r>
+            <a:r>
+              <a:rPr lang="zh-CN" altLang="en-US" dirty="0" smtClean="0"/>
+              <a:t>唤醒</a:t>
+            </a:r>
+            <a:r>
+              <a:rPr lang="en-US" altLang="zh-CN" dirty="0" err="1" smtClean="0"/>
+              <a:t>sm</a:t>
+            </a:r>
+            <a:endParaRPr lang="en-US" altLang="zh-CN" dirty="0" smtClean="0"/>
+          </a:p>
+          <a:p>
+            <a:r>
+              <a:rPr lang="en-US" altLang="zh-CN" dirty="0" smtClean="0"/>
+              <a:t>                               client</a:t>
+            </a:r>
+            <a:r>
+              <a:rPr lang="zh-CN" altLang="en-US" dirty="0" smtClean="0"/>
+              <a:t>挂起</a:t>
+            </a:r>
+            <a:endParaRPr lang="en-US" altLang="zh-CN" dirty="0" smtClean="0"/>
+          </a:p>
+          <a:p>
+            <a:r>
+              <a:rPr lang="en-US" altLang="zh-CN" dirty="0" smtClean="0"/>
+              <a:t>                                         BR_NOOP ,</a:t>
+            </a:r>
+            <a:r>
+              <a:rPr lang="en-US" altLang="zh-CN" dirty="0"/>
+              <a:t> BINDER_WORK_TRANSACTION_COMPLETE</a:t>
+            </a:r>
+            <a:r>
+              <a:rPr lang="en-US" altLang="zh-CN" dirty="0" smtClean="0"/>
+              <a:t>  </a:t>
+            </a:r>
+          </a:p>
+          <a:p>
+            <a:r>
+              <a:rPr lang="en-US" altLang="zh-CN" dirty="0" smtClean="0"/>
+              <a:t>                                          </a:t>
+            </a:r>
+            <a:r>
+              <a:rPr lang="en-US" altLang="zh-CN" dirty="0" err="1" smtClean="0"/>
+              <a:t>wait_envent_freezable</a:t>
+            </a:r>
+            <a:r>
+              <a:rPr lang="en-US" altLang="zh-CN" dirty="0" smtClean="0"/>
+              <a:t>----</a:t>
+            </a:r>
+            <a:r>
+              <a:rPr lang="zh-CN" altLang="en-US" dirty="0" smtClean="0"/>
+              <a:t>挂起</a:t>
+            </a:r>
+            <a:endParaRPr lang="en-US" altLang="zh-CN" dirty="0" smtClean="0"/>
+          </a:p>
+          <a:p>
+            <a:endParaRPr lang="en-US" altLang="zh-CN" dirty="0"/>
+          </a:p>
+          <a:p>
+            <a:r>
+              <a:rPr lang="en-US" altLang="zh-CN" dirty="0"/>
+              <a:t> </a:t>
+            </a:r>
+            <a:r>
+              <a:rPr lang="en-US" altLang="zh-CN" dirty="0" smtClean="0"/>
+              <a:t>                              </a:t>
+            </a:r>
+            <a:r>
+              <a:rPr lang="en-US" altLang="zh-CN" dirty="0" err="1" smtClean="0"/>
+              <a:t>sm</a:t>
+            </a:r>
+            <a:r>
+              <a:rPr lang="zh-CN" altLang="en-US" dirty="0" smtClean="0"/>
+              <a:t>处理添加服务</a:t>
+            </a:r>
+            <a:endParaRPr lang="en-US" altLang="zh-CN" dirty="0"/>
+          </a:p>
+          <a:p>
+            <a:endParaRPr lang="zh-CN" altLang="en-US" dirty="0"/>
+          </a:p>
+        </p:txBody>
+      </p:sp>
+      <p:sp>
+        <p:nvSpPr>
+          <p:cNvPr id="7" name="五角星 6"/>
+          <p:cNvSpPr/>
+          <p:nvPr/>
+        </p:nvSpPr>
+        <p:spPr>
+          <a:xfrm>
+            <a:off x="2607014" y="811859"/>
+            <a:ext cx="116732" cy="87549"/>
+          </a:xfrm>
+          <a:prstGeom prst="star5">
+            <a:avLst/>
+          </a:prstGeom>
+        </p:spPr>
+        <p:style>
+          <a:lnRef idx="2">
+            <a:schemeClr val="accent1">
+              <a:shade val="50000"/>
+            </a:schemeClr>
+          </a:lnRef>
+          <a:fillRef idx="1">
+            <a:schemeClr val="accent1"/>
+          </a:fillRef>
+          <a:effectRef idx="0">
+            <a:schemeClr val="accent1"/>
+          </a:effectRef>
+          <a:fontRef idx="minor">
+            <a:schemeClr val="lt1"/>
+          </a:fontRef>
+        </p:style>
+        <p:txBody>
+          <a:bodyPr rtlCol="0" anchor="ctr"/>
+          <a:lstStyle/>
+          <a:p>
+            <a:pPr algn="ctr"/>
+            <a:endParaRPr lang="zh-CN" altLang="en-US"/>
+          </a:p>
+        </p:txBody>
+      </p:sp>
+      <p:sp>
+        <p:nvSpPr>
+          <p:cNvPr id="8" name="五角星 7"/>
+          <p:cNvSpPr/>
+          <p:nvPr/>
+        </p:nvSpPr>
+        <p:spPr>
+          <a:xfrm>
+            <a:off x="2607014" y="1108153"/>
+            <a:ext cx="116732" cy="87549"/>
+          </a:xfrm>
+          <a:prstGeom prst="star5">
+            <a:avLst/>
+          </a:prstGeom>
+        </p:spPr>
+        <p:style>
+          <a:lnRef idx="2">
+            <a:schemeClr val="accent1">
+              <a:shade val="50000"/>
+            </a:schemeClr>
+          </a:lnRef>
+          <a:fillRef idx="1">
+            <a:schemeClr val="accent1"/>
+          </a:fillRef>
+          <a:effectRef idx="0">
+            <a:schemeClr val="accent1"/>
+          </a:effectRef>
+          <a:fontRef idx="minor">
+            <a:schemeClr val="lt1"/>
+          </a:fontRef>
+        </p:style>
+        <p:txBody>
+          <a:bodyPr rtlCol="0" anchor="ctr"/>
+          <a:lstStyle/>
+          <a:p>
+            <a:pPr algn="ctr"/>
+            <a:endParaRPr lang="zh-CN" altLang="en-US"/>
+          </a:p>
+        </p:txBody>
+      </p:sp>
+      <p:sp>
+        <p:nvSpPr>
+          <p:cNvPr id="9" name="五角星 8"/>
+          <p:cNvSpPr/>
+          <p:nvPr/>
+        </p:nvSpPr>
+        <p:spPr>
+          <a:xfrm>
+            <a:off x="2607014" y="1385152"/>
+            <a:ext cx="116732" cy="87549"/>
+          </a:xfrm>
+          <a:prstGeom prst="star5">
+            <a:avLst/>
+          </a:prstGeom>
+        </p:spPr>
+        <p:style>
+          <a:lnRef idx="2">
+            <a:schemeClr val="accent1">
+              <a:shade val="50000"/>
+            </a:schemeClr>
+          </a:lnRef>
+          <a:fillRef idx="1">
+            <a:schemeClr val="accent1"/>
+          </a:fillRef>
+          <a:effectRef idx="0">
+            <a:schemeClr val="accent1"/>
+          </a:effectRef>
+          <a:fontRef idx="minor">
+            <a:schemeClr val="lt1"/>
+          </a:fontRef>
+        </p:style>
+        <p:txBody>
+          <a:bodyPr rtlCol="0" anchor="ctr"/>
+          <a:lstStyle/>
+          <a:p>
+            <a:pPr algn="ctr"/>
+            <a:endParaRPr lang="zh-CN" altLang="en-US"/>
+          </a:p>
+        </p:txBody>
+      </p:sp>
+      <p:sp>
+        <p:nvSpPr>
+          <p:cNvPr id="10" name="五角星 9"/>
+          <p:cNvSpPr/>
+          <p:nvPr/>
+        </p:nvSpPr>
+        <p:spPr>
+          <a:xfrm>
+            <a:off x="2607014" y="1618376"/>
+            <a:ext cx="116732" cy="87549"/>
+          </a:xfrm>
+          <a:prstGeom prst="star5">
+            <a:avLst/>
+          </a:prstGeom>
+        </p:spPr>
+        <p:style>
+          <a:lnRef idx="2">
+            <a:schemeClr val="accent1">
+              <a:shade val="50000"/>
+            </a:schemeClr>
+          </a:lnRef>
+          <a:fillRef idx="1">
+            <a:schemeClr val="accent1"/>
+          </a:fillRef>
+          <a:effectRef idx="0">
+            <a:schemeClr val="accent1"/>
+          </a:effectRef>
+          <a:fontRef idx="minor">
+            <a:schemeClr val="lt1"/>
+          </a:fontRef>
+        </p:style>
+        <p:txBody>
+          <a:bodyPr rtlCol="0" anchor="ctr"/>
+          <a:lstStyle/>
+          <a:p>
+            <a:pPr algn="ctr"/>
+            <a:endParaRPr lang="zh-CN" altLang="en-US"/>
+          </a:p>
+        </p:txBody>
+      </p:sp>
+      <p:sp>
+        <p:nvSpPr>
+          <p:cNvPr id="11" name="五角星 10"/>
+          <p:cNvSpPr/>
+          <p:nvPr/>
+        </p:nvSpPr>
+        <p:spPr>
+          <a:xfrm>
+            <a:off x="2068751" y="1897236"/>
+            <a:ext cx="116732" cy="87549"/>
+          </a:xfrm>
+          <a:prstGeom prst="star5">
+            <a:avLst/>
+          </a:prstGeom>
+        </p:spPr>
+        <p:style>
+          <a:lnRef idx="2">
+            <a:schemeClr val="accent1">
+              <a:shade val="50000"/>
+            </a:schemeClr>
+          </a:lnRef>
+          <a:fillRef idx="1">
+            <a:schemeClr val="accent1"/>
+          </a:fillRef>
+          <a:effectRef idx="0">
+            <a:schemeClr val="accent1"/>
+          </a:effectRef>
+          <a:fontRef idx="minor">
+            <a:schemeClr val="lt1"/>
+          </a:fontRef>
+        </p:style>
+        <p:txBody>
+          <a:bodyPr rtlCol="0" anchor="ctr"/>
+          <a:lstStyle/>
+          <a:p>
+            <a:pPr algn="ctr"/>
+            <a:endParaRPr lang="zh-CN" altLang="en-US"/>
+          </a:p>
+        </p:txBody>
+      </p:sp>
+      <p:sp>
+        <p:nvSpPr>
+          <p:cNvPr id="12" name="五角星 11"/>
+          <p:cNvSpPr/>
+          <p:nvPr/>
+        </p:nvSpPr>
+        <p:spPr>
+          <a:xfrm>
+            <a:off x="2046055" y="3004899"/>
+            <a:ext cx="116732" cy="87549"/>
+          </a:xfrm>
+          <a:prstGeom prst="star5">
+            <a:avLst/>
+          </a:prstGeom>
+        </p:spPr>
+        <p:style>
+          <a:lnRef idx="2">
+            <a:schemeClr val="accent1">
+              <a:shade val="50000"/>
+            </a:schemeClr>
+          </a:lnRef>
+          <a:fillRef idx="1">
+            <a:schemeClr val="accent1"/>
+          </a:fillRef>
+          <a:effectRef idx="0">
+            <a:schemeClr val="accent1"/>
+          </a:effectRef>
+          <a:fontRef idx="minor">
+            <a:schemeClr val="lt1"/>
+          </a:fontRef>
+        </p:style>
+        <p:txBody>
+          <a:bodyPr rtlCol="0" anchor="ctr"/>
+          <a:lstStyle/>
+          <a:p>
+            <a:pPr algn="ctr"/>
+            <a:endParaRPr lang="zh-CN" altLang="en-US"/>
+          </a:p>
+        </p:txBody>
+      </p:sp>
+      <p:sp>
+        <p:nvSpPr>
+          <p:cNvPr id="14" name="五角星 13"/>
+          <p:cNvSpPr/>
+          <p:nvPr/>
+        </p:nvSpPr>
+        <p:spPr>
+          <a:xfrm>
+            <a:off x="2610259" y="2152450"/>
+            <a:ext cx="116732" cy="87549"/>
+          </a:xfrm>
+          <a:prstGeom prst="star5">
+            <a:avLst/>
+          </a:prstGeom>
+        </p:spPr>
+        <p:style>
+          <a:lnRef idx="2">
+            <a:schemeClr val="accent1">
+              <a:shade val="50000"/>
+            </a:schemeClr>
+          </a:lnRef>
+          <a:fillRef idx="1">
+            <a:schemeClr val="accent1"/>
+          </a:fillRef>
+          <a:effectRef idx="0">
+            <a:schemeClr val="accent1"/>
+          </a:effectRef>
+          <a:fontRef idx="minor">
+            <a:schemeClr val="lt1"/>
+          </a:fontRef>
+        </p:style>
+        <p:txBody>
+          <a:bodyPr rtlCol="0" anchor="ctr"/>
+          <a:lstStyle/>
+          <a:p>
+            <a:pPr algn="ctr"/>
+            <a:endParaRPr lang="zh-CN" altLang="en-US"/>
+          </a:p>
+        </p:txBody>
+      </p:sp>
+      <p:sp>
+        <p:nvSpPr>
+          <p:cNvPr id="15" name="五角星 14"/>
+          <p:cNvSpPr/>
+          <p:nvPr/>
+        </p:nvSpPr>
+        <p:spPr>
+          <a:xfrm>
+            <a:off x="2611879" y="2439610"/>
+            <a:ext cx="116732" cy="87549"/>
+          </a:xfrm>
+          <a:prstGeom prst="star5">
+            <a:avLst/>
+          </a:prstGeom>
+        </p:spPr>
+        <p:style>
+          <a:lnRef idx="2">
+            <a:schemeClr val="accent1">
+              <a:shade val="50000"/>
+            </a:schemeClr>
+          </a:lnRef>
+          <a:fillRef idx="1">
+            <a:schemeClr val="accent1"/>
+          </a:fillRef>
+          <a:effectRef idx="0">
+            <a:schemeClr val="accent1"/>
+          </a:effectRef>
+          <a:fontRef idx="minor">
+            <a:schemeClr val="lt1"/>
+          </a:fontRef>
+        </p:style>
+        <p:txBody>
+          <a:bodyPr rtlCol="0" anchor="ctr"/>
+          <a:lstStyle/>
+          <a:p>
+            <a:pPr algn="ctr"/>
+            <a:endParaRPr lang="zh-CN" altLang="en-US"/>
+          </a:p>
+        </p:txBody>
+      </p:sp>
     </p:spTree>
     <p:extLst>
       <p:ext uri="{BB962C8B-B14F-4D97-AF65-F5344CB8AC3E}">
-        <p14:creationId xmlns:p14="http://schemas.microsoft.com/office/powerpoint/2010/main" val="84879324"/>
+        <p14:creationId xmlns:p14="http://schemas.microsoft.com/office/powerpoint/2010/main" val="3560273133"/>
       </p:ext>
     </p:extLst>
   </p:cSld>
@@ -4520,6 +6573,184 @@
         </p:blipFill>
         <p:spPr>
           <a:xfrm>
+            <a:off x="1251861" y="723522"/>
+            <a:ext cx="9688277" cy="5410955"/>
+          </a:xfrm>
+          <a:prstGeom prst="rect">
+            <a:avLst/>
+          </a:prstGeom>
+        </p:spPr>
+      </p:pic>
+      <p:sp>
+        <p:nvSpPr>
+          <p:cNvPr id="5" name="文本框 4"/>
+          <p:cNvSpPr txBox="1"/>
+          <p:nvPr/>
+        </p:nvSpPr>
+        <p:spPr>
+          <a:xfrm>
+            <a:off x="635000" y="215900"/>
+            <a:ext cx="4737100" cy="461665"/>
+          </a:xfrm>
+          <a:prstGeom prst="rect">
+            <a:avLst/>
+          </a:prstGeom>
+          <a:noFill/>
+        </p:spPr>
+        <p:txBody>
+          <a:bodyPr wrap="square" rtlCol="0">
+            <a:spAutoFit/>
+          </a:bodyPr>
+          <a:lstStyle/>
+          <a:p>
+            <a:r>
+              <a:rPr lang="en-US" altLang="zh-CN" sz="2400" dirty="0" smtClean="0">
+                <a:effectLst>
+                  <a:outerShdw blurRad="38100" dist="38100" dir="2700000" algn="tl">
+                    <a:srgbClr val="000000">
+                      <a:alpha val="43137"/>
+                    </a:srgbClr>
+                  </a:outerShdw>
+                </a:effectLst>
+              </a:rPr>
+              <a:t>Binder</a:t>
+            </a:r>
+            <a:r>
+              <a:rPr lang="zh-CN" altLang="en-US" sz="2400" dirty="0" smtClean="0">
+                <a:effectLst>
+                  <a:outerShdw blurRad="38100" dist="38100" dir="2700000" algn="tl">
+                    <a:srgbClr val="000000">
+                      <a:alpha val="43137"/>
+                    </a:srgbClr>
+                  </a:outerShdw>
+                </a:effectLst>
+              </a:rPr>
+              <a:t>传输数据</a:t>
+            </a:r>
+            <a:endParaRPr lang="zh-CN" altLang="en-US" sz="2400" dirty="0">
+              <a:effectLst>
+                <a:outerShdw blurRad="38100" dist="38100" dir="2700000" algn="tl">
+                  <a:srgbClr val="000000">
+                    <a:alpha val="43137"/>
+                  </a:srgbClr>
+                </a:outerShdw>
+              </a:effectLst>
+            </a:endParaRPr>
+          </a:p>
+        </p:txBody>
+      </p:sp>
+    </p:spTree>
+    <p:extLst>
+      <p:ext uri="{BB962C8B-B14F-4D97-AF65-F5344CB8AC3E}">
+        <p14:creationId xmlns:p14="http://schemas.microsoft.com/office/powerpoint/2010/main" val="854586975"/>
+      </p:ext>
+    </p:extLst>
+  </p:cSld>
+  <p:clrMapOvr>
+    <a:masterClrMapping/>
+  </p:clrMapOvr>
+</p:sld>
+</file>
+
+<file path=ppt/slides/slide7.xml><?xml version="1.0" encoding="utf-8"?>
+<p:sld xmlns:a="http://schemas.openxmlformats.org/drawingml/2006/main" xmlns:r="http://schemas.openxmlformats.org/officeDocument/2006/relationships" xmlns:p="http://schemas.openxmlformats.org/presentationml/2006/main">
+  <p:cSld>
+    <p:spTree>
+      <p:nvGrpSpPr>
+        <p:cNvPr id="1" name=""/>
+        <p:cNvGrpSpPr/>
+        <p:nvPr/>
+      </p:nvGrpSpPr>
+      <p:grpSpPr>
+        <a:xfrm>
+          <a:off x="0" y="0"/>
+          <a:ext cx="0" cy="0"/>
+          <a:chOff x="0" y="0"/>
+          <a:chExt cx="0" cy="0"/>
+        </a:xfrm>
+      </p:grpSpPr>
+      <p:pic>
+        <p:nvPicPr>
+          <p:cNvPr id="4" name="图片 3"/>
+          <p:cNvPicPr>
+            <a:picLocks noChangeAspect="1"/>
+          </p:cNvPicPr>
+          <p:nvPr/>
+        </p:nvPicPr>
+        <p:blipFill>
+          <a:blip r:embed="rId2">
+            <a:extLst>
+              <a:ext uri="{28A0092B-C50C-407E-A947-70E740481C1C}">
+                <a14:useLocalDpi xmlns:a14="http://schemas.microsoft.com/office/drawing/2010/main" val="0"/>
+              </a:ext>
+            </a:extLst>
+          </a:blip>
+          <a:stretch>
+            <a:fillRect/>
+          </a:stretch>
+        </p:blipFill>
+        <p:spPr>
+          <a:xfrm>
+            <a:off x="844797" y="0"/>
+            <a:ext cx="9738732" cy="6858000"/>
+          </a:xfrm>
+          <a:prstGeom prst="rect">
+            <a:avLst/>
+          </a:prstGeom>
+        </p:spPr>
+      </p:pic>
+    </p:spTree>
+    <p:extLst>
+      <p:ext uri="{BB962C8B-B14F-4D97-AF65-F5344CB8AC3E}">
+        <p14:creationId xmlns:p14="http://schemas.microsoft.com/office/powerpoint/2010/main" val="84879324"/>
+      </p:ext>
+    </p:extLst>
+  </p:cSld>
+  <p:clrMapOvr>
+    <a:masterClrMapping/>
+  </p:clrMapOvr>
+</p:sld>
+</file>
+
+<file path=ppt/slides/slide8.xml><?xml version="1.0" encoding="utf-8"?>
+<p:sld xmlns:a="http://schemas.openxmlformats.org/drawingml/2006/main" xmlns:r="http://schemas.openxmlformats.org/officeDocument/2006/relationships" xmlns:p="http://schemas.openxmlformats.org/presentationml/2006/main">
+  <p:cSld>
+    <p:spTree>
+      <p:nvGrpSpPr>
+        <p:cNvPr id="1" name=""/>
+        <p:cNvGrpSpPr/>
+        <p:nvPr/>
+      </p:nvGrpSpPr>
+      <p:grpSpPr>
+        <a:xfrm>
+          <a:off x="0" y="0"/>
+          <a:ext cx="0" cy="0"/>
+          <a:chOff x="0" y="0"/>
+          <a:chExt cx="0" cy="0"/>
+        </a:xfrm>
+      </p:grpSpPr>
+      <p:pic>
+        <p:nvPicPr>
+          <p:cNvPr id="4" name="图片 3"/>
+          <p:cNvPicPr>
+            <a:picLocks noChangeAspect="1"/>
+          </p:cNvPicPr>
+          <p:nvPr/>
+        </p:nvPicPr>
+        <p:blipFill>
+          <a:blip r:embed="rId2">
+            <a:extLst>
+              <a:ext uri="{28A0092B-C50C-407E-A947-70E740481C1C}">
+                <a14:useLocalDpi xmlns:a14="http://schemas.microsoft.com/office/drawing/2010/main" val="0"/>
+              </a:ext>
+            </a:extLst>
+          </a:blip>
+          <a:stretch>
+            <a:fillRect/>
+          </a:stretch>
+        </p:blipFill>
+        <p:spPr>
+          <a:xfrm>
             <a:off x="1332688" y="26635"/>
             <a:ext cx="9503925" cy="6788518"/>
           </a:xfrm>
@@ -4541,7 +6772,7 @@
 </p:sld>
 </file>
 
-<file path=ppt/slides/slide7.xml><?xml version="1.0" encoding="utf-8"?>
+<file path=ppt/slides/slide9.xml><?xml version="1.0" encoding="utf-8"?>
 <p:sld xmlns:a="http://schemas.openxmlformats.org/drawingml/2006/main" xmlns:r="http://schemas.openxmlformats.org/officeDocument/2006/relationships" xmlns:p="http://schemas.openxmlformats.org/presentationml/2006/main">
   <p:cSld>
     <p:spTree>
@@ -4626,183 +6857,6 @@
     <p:extLst>
       <p:ext uri="{BB962C8B-B14F-4D97-AF65-F5344CB8AC3E}">
         <p14:creationId xmlns:p14="http://schemas.microsoft.com/office/powerpoint/2010/main" val="1809652145"/>
-      </p:ext>
-    </p:extLst>
-  </p:cSld>
-  <p:clrMapOvr>
-    <a:masterClrMapping/>
-  </p:clrMapOvr>
-</p:sld>
-</file>
-
-<file path=ppt/slides/slide8.xml><?xml version="1.0" encoding="utf-8"?>
-<p:sld xmlns:a="http://schemas.openxmlformats.org/drawingml/2006/main" xmlns:r="http://schemas.openxmlformats.org/officeDocument/2006/relationships" xmlns:p="http://schemas.openxmlformats.org/presentationml/2006/main">
-  <p:cSld>
-    <p:spTree>
-      <p:nvGrpSpPr>
-        <p:cNvPr id="1" name=""/>
-        <p:cNvGrpSpPr/>
-        <p:nvPr/>
-      </p:nvGrpSpPr>
-      <p:grpSpPr>
-        <a:xfrm>
-          <a:off x="0" y="0"/>
-          <a:ext cx="0" cy="0"/>
-          <a:chOff x="0" y="0"/>
-          <a:chExt cx="0" cy="0"/>
-        </a:xfrm>
-      </p:grpSpPr>
-      <p:sp>
-        <p:nvSpPr>
-          <p:cNvPr id="4" name="文本框 3"/>
-          <p:cNvSpPr txBox="1"/>
-          <p:nvPr/>
-        </p:nvSpPr>
-        <p:spPr>
-          <a:xfrm>
-            <a:off x="522292" y="116732"/>
-            <a:ext cx="3122579" cy="369332"/>
-          </a:xfrm>
-          <a:prstGeom prst="rect">
-            <a:avLst/>
-          </a:prstGeom>
-          <a:noFill/>
-        </p:spPr>
-        <p:txBody>
-          <a:bodyPr wrap="square" rtlCol="0">
-            <a:spAutoFit/>
-          </a:bodyPr>
-          <a:lstStyle/>
-          <a:p>
-            <a:r>
-              <a:rPr lang="en-US" altLang="zh-CN" dirty="0"/>
-              <a:t>n</a:t>
-            </a:r>
-            <a:r>
-              <a:rPr lang="en-US" altLang="zh-CN" dirty="0" smtClean="0"/>
-              <a:t>ative</a:t>
-            </a:r>
-            <a:r>
-              <a:rPr lang="zh-CN" altLang="en-US" dirty="0"/>
-              <a:t>层</a:t>
-            </a:r>
-          </a:p>
-        </p:txBody>
-      </p:sp>
-      <p:pic>
-        <p:nvPicPr>
-          <p:cNvPr id="5" name="图片 4"/>
-          <p:cNvPicPr>
-            <a:picLocks noChangeAspect="1"/>
-          </p:cNvPicPr>
-          <p:nvPr/>
-        </p:nvPicPr>
-        <p:blipFill>
-          <a:blip r:embed="rId2">
-            <a:extLst>
-              <a:ext uri="{28A0092B-C50C-407E-A947-70E740481C1C}">
-                <a14:useLocalDpi xmlns:a14="http://schemas.microsoft.com/office/drawing/2010/main" val="0"/>
-              </a:ext>
-            </a:extLst>
-          </a:blip>
-          <a:stretch>
-            <a:fillRect/>
-          </a:stretch>
-        </p:blipFill>
-        <p:spPr>
-          <a:xfrm>
-            <a:off x="522292" y="486064"/>
-            <a:ext cx="11069595" cy="6096851"/>
-          </a:xfrm>
-          <a:prstGeom prst="rect">
-            <a:avLst/>
-          </a:prstGeom>
-        </p:spPr>
-      </p:pic>
-      <p:sp>
-        <p:nvSpPr>
-          <p:cNvPr id="6" name="文本框 5"/>
-          <p:cNvSpPr txBox="1"/>
-          <p:nvPr/>
-        </p:nvSpPr>
-        <p:spPr>
-          <a:xfrm>
-            <a:off x="1099226" y="2694562"/>
-            <a:ext cx="1605063" cy="369332"/>
-          </a:xfrm>
-          <a:prstGeom prst="rect">
-            <a:avLst/>
-          </a:prstGeom>
-          <a:noFill/>
-        </p:spPr>
-        <p:txBody>
-          <a:bodyPr wrap="square" rtlCol="0">
-            <a:spAutoFit/>
-          </a:bodyPr>
-          <a:lstStyle/>
-          <a:p>
-            <a:r>
-              <a:rPr lang="en-US" altLang="zh-CN" dirty="0"/>
-              <a:t>n</a:t>
-            </a:r>
-            <a:r>
-              <a:rPr lang="en-US" altLang="zh-CN" dirty="0" smtClean="0"/>
-              <a:t>ative</a:t>
-            </a:r>
-            <a:r>
-              <a:rPr lang="zh-CN" altLang="en-US" dirty="0" smtClean="0"/>
-              <a:t>获取</a:t>
-            </a:r>
-            <a:r>
-              <a:rPr lang="en-US" altLang="zh-CN" dirty="0" smtClean="0"/>
-              <a:t>SM</a:t>
-            </a:r>
-            <a:endParaRPr lang="zh-CN" altLang="en-US" dirty="0"/>
-          </a:p>
-        </p:txBody>
-      </p:sp>
-      <p:sp>
-        <p:nvSpPr>
-          <p:cNvPr id="7" name="文本框 6"/>
-          <p:cNvSpPr txBox="1"/>
-          <p:nvPr/>
-        </p:nvSpPr>
-        <p:spPr>
-          <a:xfrm>
-            <a:off x="3793787" y="2120630"/>
-            <a:ext cx="1381328" cy="369332"/>
-          </a:xfrm>
-          <a:prstGeom prst="rect">
-            <a:avLst/>
-          </a:prstGeom>
-          <a:noFill/>
-        </p:spPr>
-        <p:txBody>
-          <a:bodyPr wrap="square" rtlCol="0">
-            <a:spAutoFit/>
-          </a:bodyPr>
-          <a:lstStyle/>
-          <a:p>
-            <a:r>
-              <a:rPr lang="en-US" altLang="zh-CN" dirty="0" smtClean="0"/>
-              <a:t>Java</a:t>
-            </a:r>
-            <a:r>
-              <a:rPr lang="zh-CN" altLang="en-US" dirty="0" smtClean="0"/>
-              <a:t>获取</a:t>
-            </a:r>
-            <a:r>
-              <a:rPr lang="en-US" altLang="zh-CN" dirty="0" smtClean="0"/>
-              <a:t>Sm</a:t>
-            </a:r>
-            <a:endParaRPr lang="zh-CN" altLang="en-US" dirty="0"/>
-          </a:p>
-        </p:txBody>
-      </p:sp>
-    </p:spTree>
-    <p:extLst>
-      <p:ext uri="{BB962C8B-B14F-4D97-AF65-F5344CB8AC3E}">
-        <p14:creationId xmlns:p14="http://schemas.microsoft.com/office/powerpoint/2010/main" val="529707701"/>
       </p:ext>
     </p:extLst>
   </p:cSld>
